--- a/Семинар 20.01.2022/распознавание фейковых новостей.pptx
+++ b/Семинар 20.01.2022/распознавание фейковых новостей.pptx
@@ -1,65 +1,103 @@
 
 <file path=ppt/presentation.xml><?xml version="1.0" encoding="utf-8"?>
-<p:presentation xmlns:a="http://schemas.openxmlformats.org/drawingml/2006/main" xmlns:r="http://schemas.openxmlformats.org/officeDocument/2006/relationships" xmlns:p="http://schemas.openxmlformats.org/presentationml/2006/main" embedTrueTypeFonts="1" saveSubsetFonts="1">
+<p:presentation xmlns:a="http://schemas.openxmlformats.org/drawingml/2006/main" xmlns:r="http://schemas.openxmlformats.org/officeDocument/2006/relationships" xmlns:p="http://schemas.openxmlformats.org/presentationml/2006/main" saveSubsetFonts="1" embedTrueTypeFonts="true">
   <p:sldMasterIdLst>
     <p:sldMasterId id="2147483648" r:id="rId1"/>
   </p:sldMasterIdLst>
   <p:sldIdLst>
-    <p:sldId id="256" r:id="rId2"/>
-    <p:sldId id="257" r:id="rId3"/>
-    <p:sldId id="258" r:id="rId4"/>
-    <p:sldId id="259" r:id="rId5"/>
-    <p:sldId id="260" r:id="rId6"/>
-    <p:sldId id="261" r:id="rId7"/>
-    <p:sldId id="262" r:id="rId8"/>
-    <p:sldId id="263" r:id="rId9"/>
-    <p:sldId id="264" r:id="rId10"/>
+    <p:sldId id="256" r:id="rId26"/>
+    <p:sldId id="257" r:id="rId27"/>
+    <p:sldId id="258" r:id="rId28"/>
+    <p:sldId id="259" r:id="rId29"/>
+    <p:sldId id="260" r:id="rId30"/>
+    <p:sldId id="261" r:id="rId31"/>
+    <p:sldId id="262" r:id="rId32"/>
+    <p:sldId id="263" r:id="rId33"/>
+    <p:sldId id="264" r:id="rId34"/>
+    <p:sldId id="265" r:id="rId35"/>
   </p:sldIdLst>
   <p:sldSz cx="18288000" cy="10287000"/>
   <p:notesSz cx="6858000" cy="9144000"/>
   <p:embeddedFontLst>
     <p:embeddedFont>
-      <p:font typeface="Calibri" panose="020F0502020204030204" pitchFamily="34" charset="0"/>
-      <p:regular r:id="rId11"/>
-      <p:bold r:id="rId12"/>
-      <p:italic r:id="rId13"/>
-      <p:boldItalic r:id="rId14"/>
+      <p:font typeface="Arimo" charset="1" panose="020B0604020202020204"/>
+      <p:regular r:id="rId6"/>
     </p:embeddedFont>
     <p:embeddedFont>
-      <p:font typeface="Codec Pro ExtraBold" panose="020B0604020202020204" charset="0"/>
+      <p:font typeface="Arimo Bold" charset="1" panose="020B0704020202020204"/>
+      <p:regular r:id="rId7"/>
+    </p:embeddedFont>
+    <p:embeddedFont>
+      <p:font typeface="Arimo Italics" charset="1" panose="020B0604020202090204"/>
+      <p:regular r:id="rId8"/>
+    </p:embeddedFont>
+    <p:embeddedFont>
+      <p:font typeface="Arimo Bold Italics" charset="1" panose="020B0704020202090204"/>
+      <p:regular r:id="rId9"/>
+    </p:embeddedFont>
+    <p:embeddedFont>
+      <p:font typeface="Open Sans Light" charset="1" panose="020B0306030504020204"/>
+      <p:regular r:id="rId10"/>
+    </p:embeddedFont>
+    <p:embeddedFont>
+      <p:font typeface="Open Sans Light Bold" charset="1" panose="020B0806030504020204"/>
+      <p:regular r:id="rId11"/>
+    </p:embeddedFont>
+    <p:embeddedFont>
+      <p:font typeface="Open Sans Light Italics" charset="1" panose="020B0306030504020204"/>
+      <p:regular r:id="rId12"/>
+    </p:embeddedFont>
+    <p:embeddedFont>
+      <p:font typeface="Open Sans Light Bold Italics" charset="1" panose="020B0806030504020204"/>
+      <p:regular r:id="rId13"/>
+    </p:embeddedFont>
+    <p:embeddedFont>
+      <p:font typeface="Open Sans" charset="1" panose="020B0606030504020204"/>
+      <p:regular r:id="rId14"/>
+    </p:embeddedFont>
+    <p:embeddedFont>
+      <p:font typeface="Open Sans Bold" charset="1" panose="020B0806030504020204"/>
       <p:regular r:id="rId15"/>
     </p:embeddedFont>
     <p:embeddedFont>
-      <p:font typeface="Codec Pro ExtraBold Bold" panose="020B0604020202020204" charset="0"/>
+      <p:font typeface="Open Sans Italics" charset="1" panose="020B0606030504020204"/>
       <p:regular r:id="rId16"/>
     </p:embeddedFont>
     <p:embeddedFont>
-      <p:font typeface="Montserrat" panose="00000500000000000000" pitchFamily="2" charset="-52"/>
+      <p:font typeface="Open Sans Bold Italics" charset="1" panose="020B0806030504020204"/>
       <p:regular r:id="rId17"/>
     </p:embeddedFont>
     <p:embeddedFont>
-      <p:font typeface="Montserrat Bold" panose="00000800000000000000" charset="-52"/>
+      <p:font typeface="Open Sans Extra Bold" charset="1" panose="020B0906030804020204"/>
       <p:regular r:id="rId18"/>
     </p:embeddedFont>
     <p:embeddedFont>
-      <p:font typeface="Montserrat Bold Italics" panose="020B0604020202020204" charset="-52"/>
+      <p:font typeface="Open Sans Extra Bold Italics" charset="1" panose="020B0906030804020204"/>
       <p:regular r:id="rId19"/>
     </p:embeddedFont>
     <p:embeddedFont>
-      <p:font typeface="Open Sans" panose="020B0606030504020204" pitchFamily="34" charset="0"/>
+      <p:font typeface="Montserrat" charset="1" panose="00000500000000000000"/>
       <p:regular r:id="rId20"/>
     </p:embeddedFont>
     <p:embeddedFont>
-      <p:font typeface="Open Sans Extra Bold" panose="020B0604020202020204" charset="0"/>
+      <p:font typeface="Montserrat Bold" charset="1" panose="00000600000000000000"/>
       <p:regular r:id="rId21"/>
     </p:embeddedFont>
     <p:embeddedFont>
-      <p:font typeface="Open Sans Light" panose="020B0306030504020204" pitchFamily="34" charset="0"/>
+      <p:font typeface="Montserrat Italics" charset="1" panose="00000500000000000000"/>
       <p:regular r:id="rId22"/>
     </p:embeddedFont>
     <p:embeddedFont>
-      <p:font typeface="Open Sans Light Bold Italics" panose="020B0604020202020204" charset="0"/>
+      <p:font typeface="Montserrat Bold Italics" charset="1" panose="00000600000000000000"/>
       <p:regular r:id="rId23"/>
+    </p:embeddedFont>
+    <p:embeddedFont>
+      <p:font typeface="Codec Pro ExtraBold" charset="1" panose="00000700000000000000"/>
+      <p:regular r:id="rId24"/>
+    </p:embeddedFont>
+    <p:embeddedFont>
+      <p:font typeface="Codec Pro ExtraBold Bold" charset="1" panose="00000900000000000000"/>
+      <p:regular r:id="rId25"/>
     </p:embeddedFont>
   </p:embeddedFontLst>
   <p:defaultTextStyle>
@@ -157,22 +195,6 @@
       </a:defRPr>
     </a:lvl9pPr>
   </p:defaultTextStyle>
-  <p:extLst>
-    <p:ext uri="{EFAFB233-063F-42B5-8137-9DF3F51BA10A}">
-      <p15:sldGuideLst xmlns:p15="http://schemas.microsoft.com/office/powerpoint/2012/main">
-        <p15:guide id="1" orient="horz" pos="2160">
-          <p15:clr>
-            <a:srgbClr val="A4A3A4"/>
-          </p15:clr>
-        </p15:guide>
-        <p15:guide id="2" pos="2880">
-          <p15:clr>
-            <a:srgbClr val="A4A3A4"/>
-          </p15:clr>
-        </p15:guide>
-      </p15:sldGuideLst>
-    </p:ext>
-  </p:extLst>
 </p:presentation>
 </file>
 
@@ -214,9 +236,10 @@
           <a:lstStyle/>
           <a:p>
             <a:r>
-              <a:rPr lang="en-US"/>
+              <a:rPr lang="en-US" smtClean="0"/>
               <a:t>Click to edit Master title style</a:t>
             </a:r>
+            <a:endParaRPr lang="en-US"/>
           </a:p>
         </p:txBody>
       </p:sp>
@@ -332,9 +355,10 @@
           </a:lstStyle>
           <a:p>
             <a:r>
-              <a:rPr lang="en-US"/>
+              <a:rPr lang="en-US" smtClean="0"/>
               <a:t>Click to edit Master subtitle style</a:t>
             </a:r>
+            <a:endParaRPr lang="en-US"/>
           </a:p>
         </p:txBody>
       </p:sp>
@@ -356,7 +380,7 @@
             <a:fld id="{1D8BD707-D9CF-40AE-B4C6-C98DA3205C09}" type="datetimeFigureOut">
               <a:rPr lang="en-US" smtClean="0"/>
               <a:pPr/>
-              <a:t>1/20/2022</a:t>
+              <a:t>8/1/2011</a:t>
             </a:fld>
             <a:endParaRPr lang="en-US"/>
           </a:p>
@@ -446,9 +470,10 @@
           <a:lstStyle/>
           <a:p>
             <a:r>
-              <a:rPr lang="en-US"/>
+              <a:rPr lang="en-US" smtClean="0"/>
               <a:t>Click to edit Master title style</a:t>
             </a:r>
+            <a:endParaRPr lang="en-US"/>
           </a:p>
         </p:txBody>
       </p:sp>
@@ -469,37 +494,38 @@
           <a:p>
             <a:pPr lvl="0"/>
             <a:r>
-              <a:rPr lang="en-US"/>
+              <a:rPr lang="en-US" smtClean="0"/>
               <a:t>Click to edit Master text styles</a:t>
             </a:r>
           </a:p>
           <a:p>
             <a:pPr lvl="1"/>
             <a:r>
-              <a:rPr lang="en-US"/>
+              <a:rPr lang="en-US" smtClean="0"/>
               <a:t>Second level</a:t>
             </a:r>
           </a:p>
           <a:p>
             <a:pPr lvl="2"/>
             <a:r>
-              <a:rPr lang="en-US"/>
+              <a:rPr lang="en-US" smtClean="0"/>
               <a:t>Third level</a:t>
             </a:r>
           </a:p>
           <a:p>
             <a:pPr lvl="3"/>
             <a:r>
-              <a:rPr lang="en-US"/>
+              <a:rPr lang="en-US" smtClean="0"/>
               <a:t>Fourth level</a:t>
             </a:r>
           </a:p>
           <a:p>
             <a:pPr lvl="4"/>
             <a:r>
-              <a:rPr lang="en-US"/>
+              <a:rPr lang="en-US" smtClean="0"/>
               <a:t>Fifth level</a:t>
             </a:r>
+            <a:endParaRPr lang="en-US"/>
           </a:p>
         </p:txBody>
       </p:sp>
@@ -521,7 +547,7 @@
             <a:fld id="{1D8BD707-D9CF-40AE-B4C6-C98DA3205C09}" type="datetimeFigureOut">
               <a:rPr lang="en-US" smtClean="0"/>
               <a:pPr/>
-              <a:t>1/20/2022</a:t>
+              <a:t>8/1/2011</a:t>
             </a:fld>
             <a:endParaRPr lang="en-US"/>
           </a:p>
@@ -616,9 +642,10 @@
           <a:lstStyle/>
           <a:p>
             <a:r>
-              <a:rPr lang="en-US"/>
+              <a:rPr lang="en-US" smtClean="0"/>
               <a:t>Click to edit Master title style</a:t>
             </a:r>
+            <a:endParaRPr lang="en-US"/>
           </a:p>
         </p:txBody>
       </p:sp>
@@ -644,37 +671,38 @@
           <a:p>
             <a:pPr lvl="0"/>
             <a:r>
-              <a:rPr lang="en-US"/>
+              <a:rPr lang="en-US" smtClean="0"/>
               <a:t>Click to edit Master text styles</a:t>
             </a:r>
           </a:p>
           <a:p>
             <a:pPr lvl="1"/>
             <a:r>
-              <a:rPr lang="en-US"/>
+              <a:rPr lang="en-US" smtClean="0"/>
               <a:t>Second level</a:t>
             </a:r>
           </a:p>
           <a:p>
             <a:pPr lvl="2"/>
             <a:r>
-              <a:rPr lang="en-US"/>
+              <a:rPr lang="en-US" smtClean="0"/>
               <a:t>Third level</a:t>
             </a:r>
           </a:p>
           <a:p>
             <a:pPr lvl="3"/>
             <a:r>
-              <a:rPr lang="en-US"/>
+              <a:rPr lang="en-US" smtClean="0"/>
               <a:t>Fourth level</a:t>
             </a:r>
           </a:p>
           <a:p>
             <a:pPr lvl="4"/>
             <a:r>
-              <a:rPr lang="en-US"/>
+              <a:rPr lang="en-US" smtClean="0"/>
               <a:t>Fifth level</a:t>
             </a:r>
+            <a:endParaRPr lang="en-US"/>
           </a:p>
         </p:txBody>
       </p:sp>
@@ -696,7 +724,7 @@
             <a:fld id="{1D8BD707-D9CF-40AE-B4C6-C98DA3205C09}" type="datetimeFigureOut">
               <a:rPr lang="en-US" smtClean="0"/>
               <a:pPr/>
-              <a:t>1/20/2022</a:t>
+              <a:t>8/1/2011</a:t>
             </a:fld>
             <a:endParaRPr lang="en-US"/>
           </a:p>
@@ -786,9 +814,10 @@
           <a:lstStyle/>
           <a:p>
             <a:r>
-              <a:rPr lang="en-US"/>
+              <a:rPr lang="en-US" smtClean="0"/>
               <a:t>Click to edit Master title style</a:t>
             </a:r>
+            <a:endParaRPr lang="en-US"/>
           </a:p>
         </p:txBody>
       </p:sp>
@@ -809,37 +838,38 @@
           <a:p>
             <a:pPr lvl="0"/>
             <a:r>
-              <a:rPr lang="en-US"/>
+              <a:rPr lang="en-US" smtClean="0"/>
               <a:t>Click to edit Master text styles</a:t>
             </a:r>
           </a:p>
           <a:p>
             <a:pPr lvl="1"/>
             <a:r>
-              <a:rPr lang="en-US"/>
+              <a:rPr lang="en-US" smtClean="0"/>
               <a:t>Second level</a:t>
             </a:r>
           </a:p>
           <a:p>
             <a:pPr lvl="2"/>
             <a:r>
-              <a:rPr lang="en-US"/>
+              <a:rPr lang="en-US" smtClean="0"/>
               <a:t>Third level</a:t>
             </a:r>
           </a:p>
           <a:p>
             <a:pPr lvl="3"/>
             <a:r>
-              <a:rPr lang="en-US"/>
+              <a:rPr lang="en-US" smtClean="0"/>
               <a:t>Fourth level</a:t>
             </a:r>
           </a:p>
           <a:p>
             <a:pPr lvl="4"/>
             <a:r>
-              <a:rPr lang="en-US"/>
+              <a:rPr lang="en-US" smtClean="0"/>
               <a:t>Fifth level</a:t>
             </a:r>
+            <a:endParaRPr lang="en-US"/>
           </a:p>
         </p:txBody>
       </p:sp>
@@ -861,7 +891,7 @@
             <a:fld id="{1D8BD707-D9CF-40AE-B4C6-C98DA3205C09}" type="datetimeFigureOut">
               <a:rPr lang="en-US" smtClean="0"/>
               <a:pPr/>
-              <a:t>1/20/2022</a:t>
+              <a:t>8/1/2011</a:t>
             </a:fld>
             <a:endParaRPr lang="en-US"/>
           </a:p>
@@ -960,9 +990,10 @@
           </a:lstStyle>
           <a:p>
             <a:r>
-              <a:rPr lang="en-US"/>
+              <a:rPr lang="en-US" smtClean="0"/>
               <a:t>Click to edit Master title style</a:t>
             </a:r>
+            <a:endParaRPr lang="en-US"/>
           </a:p>
         </p:txBody>
       </p:sp>
@@ -1079,7 +1110,7 @@
           <a:p>
             <a:pPr lvl="0"/>
             <a:r>
-              <a:rPr lang="en-US"/>
+              <a:rPr lang="en-US" smtClean="0"/>
               <a:t>Click to edit Master text styles</a:t>
             </a:r>
           </a:p>
@@ -1103,7 +1134,7 @@
             <a:fld id="{1D8BD707-D9CF-40AE-B4C6-C98DA3205C09}" type="datetimeFigureOut">
               <a:rPr lang="en-US" smtClean="0"/>
               <a:pPr/>
-              <a:t>1/20/2022</a:t>
+              <a:t>8/1/2011</a:t>
             </a:fld>
             <a:endParaRPr lang="en-US"/>
           </a:p>
@@ -1193,9 +1224,10 @@
           <a:lstStyle/>
           <a:p>
             <a:r>
-              <a:rPr lang="en-US"/>
+              <a:rPr lang="en-US" smtClean="0"/>
               <a:t>Click to edit Master title style</a:t>
             </a:r>
+            <a:endParaRPr lang="en-US"/>
           </a:p>
         </p:txBody>
       </p:sp>
@@ -1249,37 +1281,38 @@
           <a:p>
             <a:pPr lvl="0"/>
             <a:r>
-              <a:rPr lang="en-US"/>
+              <a:rPr lang="en-US" smtClean="0"/>
               <a:t>Click to edit Master text styles</a:t>
             </a:r>
           </a:p>
           <a:p>
             <a:pPr lvl="1"/>
             <a:r>
-              <a:rPr lang="en-US"/>
+              <a:rPr lang="en-US" smtClean="0"/>
               <a:t>Second level</a:t>
             </a:r>
           </a:p>
           <a:p>
             <a:pPr lvl="2"/>
             <a:r>
-              <a:rPr lang="en-US"/>
+              <a:rPr lang="en-US" smtClean="0"/>
               <a:t>Third level</a:t>
             </a:r>
           </a:p>
           <a:p>
             <a:pPr lvl="3"/>
             <a:r>
-              <a:rPr lang="en-US"/>
+              <a:rPr lang="en-US" smtClean="0"/>
               <a:t>Fourth level</a:t>
             </a:r>
           </a:p>
           <a:p>
             <a:pPr lvl="4"/>
             <a:r>
-              <a:rPr lang="en-US"/>
+              <a:rPr lang="en-US" smtClean="0"/>
               <a:t>Fifth level</a:t>
             </a:r>
+            <a:endParaRPr lang="en-US"/>
           </a:p>
         </p:txBody>
       </p:sp>
@@ -1333,37 +1366,38 @@
           <a:p>
             <a:pPr lvl="0"/>
             <a:r>
-              <a:rPr lang="en-US"/>
+              <a:rPr lang="en-US" smtClean="0"/>
               <a:t>Click to edit Master text styles</a:t>
             </a:r>
           </a:p>
           <a:p>
             <a:pPr lvl="1"/>
             <a:r>
-              <a:rPr lang="en-US"/>
+              <a:rPr lang="en-US" smtClean="0"/>
               <a:t>Second level</a:t>
             </a:r>
           </a:p>
           <a:p>
             <a:pPr lvl="2"/>
             <a:r>
-              <a:rPr lang="en-US"/>
+              <a:rPr lang="en-US" smtClean="0"/>
               <a:t>Third level</a:t>
             </a:r>
           </a:p>
           <a:p>
             <a:pPr lvl="3"/>
             <a:r>
-              <a:rPr lang="en-US"/>
+              <a:rPr lang="en-US" smtClean="0"/>
               <a:t>Fourth level</a:t>
             </a:r>
           </a:p>
           <a:p>
             <a:pPr lvl="4"/>
             <a:r>
-              <a:rPr lang="en-US"/>
+              <a:rPr lang="en-US" smtClean="0"/>
               <a:t>Fifth level</a:t>
             </a:r>
+            <a:endParaRPr lang="en-US"/>
           </a:p>
         </p:txBody>
       </p:sp>
@@ -1385,7 +1419,7 @@
             <a:fld id="{1D8BD707-D9CF-40AE-B4C6-C98DA3205C09}" type="datetimeFigureOut">
               <a:rPr lang="en-US" smtClean="0"/>
               <a:pPr/>
-              <a:t>1/20/2022</a:t>
+              <a:t>8/1/2011</a:t>
             </a:fld>
             <a:endParaRPr lang="en-US"/>
           </a:p>
@@ -1479,9 +1513,10 @@
           </a:lstStyle>
           <a:p>
             <a:r>
-              <a:rPr lang="en-US"/>
+              <a:rPr lang="en-US" smtClean="0"/>
               <a:t>Click to edit Master title style</a:t>
             </a:r>
+            <a:endParaRPr lang="en-US"/>
           </a:p>
         </p:txBody>
       </p:sp>
@@ -1544,7 +1579,7 @@
           <a:p>
             <a:pPr lvl="0"/>
             <a:r>
-              <a:rPr lang="en-US"/>
+              <a:rPr lang="en-US" smtClean="0"/>
               <a:t>Click to edit Master text styles</a:t>
             </a:r>
           </a:p>
@@ -1600,37 +1635,38 @@
           <a:p>
             <a:pPr lvl="0"/>
             <a:r>
-              <a:rPr lang="en-US"/>
+              <a:rPr lang="en-US" smtClean="0"/>
               <a:t>Click to edit Master text styles</a:t>
             </a:r>
           </a:p>
           <a:p>
             <a:pPr lvl="1"/>
             <a:r>
-              <a:rPr lang="en-US"/>
+              <a:rPr lang="en-US" smtClean="0"/>
               <a:t>Second level</a:t>
             </a:r>
           </a:p>
           <a:p>
             <a:pPr lvl="2"/>
             <a:r>
-              <a:rPr lang="en-US"/>
+              <a:rPr lang="en-US" smtClean="0"/>
               <a:t>Third level</a:t>
             </a:r>
           </a:p>
           <a:p>
             <a:pPr lvl="3"/>
             <a:r>
-              <a:rPr lang="en-US"/>
+              <a:rPr lang="en-US" smtClean="0"/>
               <a:t>Fourth level</a:t>
             </a:r>
           </a:p>
           <a:p>
             <a:pPr lvl="4"/>
             <a:r>
-              <a:rPr lang="en-US"/>
+              <a:rPr lang="en-US" smtClean="0"/>
               <a:t>Fifth level</a:t>
             </a:r>
+            <a:endParaRPr lang="en-US"/>
           </a:p>
         </p:txBody>
       </p:sp>
@@ -1693,7 +1729,7 @@
           <a:p>
             <a:pPr lvl="0"/>
             <a:r>
-              <a:rPr lang="en-US"/>
+              <a:rPr lang="en-US" smtClean="0"/>
               <a:t>Click to edit Master text styles</a:t>
             </a:r>
           </a:p>
@@ -1749,37 +1785,38 @@
           <a:p>
             <a:pPr lvl="0"/>
             <a:r>
-              <a:rPr lang="en-US"/>
+              <a:rPr lang="en-US" smtClean="0"/>
               <a:t>Click to edit Master text styles</a:t>
             </a:r>
           </a:p>
           <a:p>
             <a:pPr lvl="1"/>
             <a:r>
-              <a:rPr lang="en-US"/>
+              <a:rPr lang="en-US" smtClean="0"/>
               <a:t>Second level</a:t>
             </a:r>
           </a:p>
           <a:p>
             <a:pPr lvl="2"/>
             <a:r>
-              <a:rPr lang="en-US"/>
+              <a:rPr lang="en-US" smtClean="0"/>
               <a:t>Third level</a:t>
             </a:r>
           </a:p>
           <a:p>
             <a:pPr lvl="3"/>
             <a:r>
-              <a:rPr lang="en-US"/>
+              <a:rPr lang="en-US" smtClean="0"/>
               <a:t>Fourth level</a:t>
             </a:r>
           </a:p>
           <a:p>
             <a:pPr lvl="4"/>
             <a:r>
-              <a:rPr lang="en-US"/>
+              <a:rPr lang="en-US" smtClean="0"/>
               <a:t>Fifth level</a:t>
             </a:r>
+            <a:endParaRPr lang="en-US"/>
           </a:p>
         </p:txBody>
       </p:sp>
@@ -1801,7 +1838,7 @@
             <a:fld id="{1D8BD707-D9CF-40AE-B4C6-C98DA3205C09}" type="datetimeFigureOut">
               <a:rPr lang="en-US" smtClean="0"/>
               <a:pPr/>
-              <a:t>1/20/2022</a:t>
+              <a:t>8/1/2011</a:t>
             </a:fld>
             <a:endParaRPr lang="en-US"/>
           </a:p>
@@ -1891,9 +1928,10 @@
           <a:lstStyle/>
           <a:p>
             <a:r>
-              <a:rPr lang="en-US"/>
+              <a:rPr lang="en-US" smtClean="0"/>
               <a:t>Click to edit Master title style</a:t>
             </a:r>
+            <a:endParaRPr lang="en-US"/>
           </a:p>
         </p:txBody>
       </p:sp>
@@ -1915,7 +1953,7 @@
             <a:fld id="{1D8BD707-D9CF-40AE-B4C6-C98DA3205C09}" type="datetimeFigureOut">
               <a:rPr lang="en-US" smtClean="0"/>
               <a:pPr/>
-              <a:t>1/20/2022</a:t>
+              <a:t>8/1/2011</a:t>
             </a:fld>
             <a:endParaRPr lang="en-US"/>
           </a:p>
@@ -2007,7 +2045,7 @@
             <a:fld id="{1D8BD707-D9CF-40AE-B4C6-C98DA3205C09}" type="datetimeFigureOut">
               <a:rPr lang="en-US" smtClean="0"/>
               <a:pPr/>
-              <a:t>1/20/2022</a:t>
+              <a:t>8/1/2011</a:t>
             </a:fld>
             <a:endParaRPr lang="en-US"/>
           </a:p>
@@ -2106,9 +2144,10 @@
           </a:lstStyle>
           <a:p>
             <a:r>
-              <a:rPr lang="en-US"/>
+              <a:rPr lang="en-US" smtClean="0"/>
               <a:t>Click to edit Master title style</a:t>
             </a:r>
+            <a:endParaRPr lang="en-US"/>
           </a:p>
         </p:txBody>
       </p:sp>
@@ -2162,37 +2201,38 @@
           <a:p>
             <a:pPr lvl="0"/>
             <a:r>
-              <a:rPr lang="en-US"/>
+              <a:rPr lang="en-US" smtClean="0"/>
               <a:t>Click to edit Master text styles</a:t>
             </a:r>
           </a:p>
           <a:p>
             <a:pPr lvl="1"/>
             <a:r>
-              <a:rPr lang="en-US"/>
+              <a:rPr lang="en-US" smtClean="0"/>
               <a:t>Second level</a:t>
             </a:r>
           </a:p>
           <a:p>
             <a:pPr lvl="2"/>
             <a:r>
-              <a:rPr lang="en-US"/>
+              <a:rPr lang="en-US" smtClean="0"/>
               <a:t>Third level</a:t>
             </a:r>
           </a:p>
           <a:p>
             <a:pPr lvl="3"/>
             <a:r>
-              <a:rPr lang="en-US"/>
+              <a:rPr lang="en-US" smtClean="0"/>
               <a:t>Fourth level</a:t>
             </a:r>
           </a:p>
           <a:p>
             <a:pPr lvl="4"/>
             <a:r>
-              <a:rPr lang="en-US"/>
+              <a:rPr lang="en-US" smtClean="0"/>
               <a:t>Fifth level</a:t>
             </a:r>
+            <a:endParaRPr lang="en-US"/>
           </a:p>
         </p:txBody>
       </p:sp>
@@ -2255,7 +2295,7 @@
           <a:p>
             <a:pPr lvl="0"/>
             <a:r>
-              <a:rPr lang="en-US"/>
+              <a:rPr lang="en-US" smtClean="0"/>
               <a:t>Click to edit Master text styles</a:t>
             </a:r>
           </a:p>
@@ -2279,7 +2319,7 @@
             <a:fld id="{1D8BD707-D9CF-40AE-B4C6-C98DA3205C09}" type="datetimeFigureOut">
               <a:rPr lang="en-US" smtClean="0"/>
               <a:pPr/>
-              <a:t>1/20/2022</a:t>
+              <a:t>8/1/2011</a:t>
             </a:fld>
             <a:endParaRPr lang="en-US"/>
           </a:p>
@@ -2378,9 +2418,10 @@
           </a:lstStyle>
           <a:p>
             <a:r>
-              <a:rPr lang="en-US"/>
+              <a:rPr lang="en-US" smtClean="0"/>
               <a:t>Click to edit Master title style</a:t>
             </a:r>
+            <a:endParaRPr lang="en-US"/>
           </a:p>
         </p:txBody>
       </p:sp>
@@ -2504,7 +2545,7 @@
           <a:p>
             <a:pPr lvl="0"/>
             <a:r>
-              <a:rPr lang="en-US"/>
+              <a:rPr lang="en-US" smtClean="0"/>
               <a:t>Click to edit Master text styles</a:t>
             </a:r>
           </a:p>
@@ -2528,7 +2569,7 @@
             <a:fld id="{1D8BD707-D9CF-40AE-B4C6-C98DA3205C09}" type="datetimeFigureOut">
               <a:rPr lang="en-US" smtClean="0"/>
               <a:pPr/>
-              <a:t>1/20/2022</a:t>
+              <a:t>8/1/2011</a:t>
             </a:fld>
             <a:endParaRPr lang="en-US"/>
           </a:p>
@@ -2633,9 +2674,10 @@
           <a:lstStyle/>
           <a:p>
             <a:r>
-              <a:rPr lang="en-US"/>
+              <a:rPr lang="en-US" smtClean="0"/>
               <a:t>Click to edit Master title style</a:t>
             </a:r>
+            <a:endParaRPr lang="en-US"/>
           </a:p>
         </p:txBody>
       </p:sp>
@@ -2666,37 +2708,38 @@
           <a:p>
             <a:pPr lvl="0"/>
             <a:r>
-              <a:rPr lang="en-US"/>
+              <a:rPr lang="en-US" smtClean="0"/>
               <a:t>Click to edit Master text styles</a:t>
             </a:r>
           </a:p>
           <a:p>
             <a:pPr lvl="1"/>
             <a:r>
-              <a:rPr lang="en-US"/>
+              <a:rPr lang="en-US" smtClean="0"/>
               <a:t>Second level</a:t>
             </a:r>
           </a:p>
           <a:p>
             <a:pPr lvl="2"/>
             <a:r>
-              <a:rPr lang="en-US"/>
+              <a:rPr lang="en-US" smtClean="0"/>
               <a:t>Third level</a:t>
             </a:r>
           </a:p>
           <a:p>
             <a:pPr lvl="3"/>
             <a:r>
-              <a:rPr lang="en-US"/>
+              <a:rPr lang="en-US" smtClean="0"/>
               <a:t>Fourth level</a:t>
             </a:r>
           </a:p>
           <a:p>
             <a:pPr lvl="4"/>
             <a:r>
-              <a:rPr lang="en-US"/>
+              <a:rPr lang="en-US" smtClean="0"/>
               <a:t>Fifth level</a:t>
             </a:r>
+            <a:endParaRPr lang="en-US"/>
           </a:p>
         </p:txBody>
       </p:sp>
@@ -2736,7 +2779,7 @@
             <a:fld id="{1D8BD707-D9CF-40AE-B4C6-C98DA3205C09}" type="datetimeFigureOut">
               <a:rPr lang="en-US" smtClean="0"/>
               <a:pPr/>
-              <a:t>1/20/2022</a:t>
+              <a:t>8/1/2011</a:t>
             </a:fld>
             <a:endParaRPr lang="en-US"/>
           </a:p>
@@ -3091,14 +3134,13 @@
 </file>
 
 <file path=ppt/slides/slide1.xml><?xml version="1.0" encoding="utf-8"?>
-<p:sld xmlns:a="http://schemas.openxmlformats.org/drawingml/2006/main" xmlns:r="http://schemas.openxmlformats.org/officeDocument/2006/relationships" xmlns:p="http://schemas.openxmlformats.org/presentationml/2006/main">
+<p:sld xmlns:p="http://schemas.openxmlformats.org/presentationml/2006/main" xmlns:a="http://schemas.openxmlformats.org/drawingml/2006/main" xmlns:r="http://schemas.openxmlformats.org/officeDocument/2006/relationships">
   <p:cSld>
     <p:bg>
       <p:bgPr>
         <a:solidFill>
           <a:srgbClr val="272727"/>
         </a:solidFill>
-        <a:effectLst/>
       </p:bgPr>
     </p:bg>
     <p:spTree>
@@ -3117,9 +3159,9 @@
       </p:grpSpPr>
       <p:pic>
         <p:nvPicPr>
-          <p:cNvPr id="2" name="Picture 2"/>
+          <p:cNvPr name="Picture 2" id="2"/>
           <p:cNvPicPr>
-            <a:picLocks noChangeAspect="1"/>
+            <a:picLocks noChangeAspect="true"/>
           </p:cNvPicPr>
           <p:nvPr/>
         </p:nvPicPr>
@@ -3135,13 +3177,13 @@
               </a:ext>
             </a:extLst>
           </a:blip>
-          <a:srcRect/>
+          <a:srcRect l="0" t="0" r="0" b="0"/>
           <a:stretch>
             <a:fillRect/>
           </a:stretch>
         </p:blipFill>
         <p:spPr>
-          <a:xfrm>
+          <a:xfrm flipH="false" flipV="false" rot="0">
             <a:off x="-1123028" y="-2129742"/>
             <a:ext cx="22460076" cy="17028821"/>
           </a:xfrm>
@@ -3152,12 +3194,12 @@
       </p:pic>
       <p:grpSp>
         <p:nvGrpSpPr>
-          <p:cNvPr id="3" name="Group 3"/>
+          <p:cNvPr name="Group 3" id="3"/>
           <p:cNvGrpSpPr/>
           <p:nvPr/>
         </p:nvGrpSpPr>
         <p:grpSpPr>
-          <a:xfrm>
+          <a:xfrm rot="0">
             <a:off x="2419350" y="2587116"/>
             <a:ext cx="12675967" cy="4296093"/>
             <a:chOff x="0" y="0"/>
@@ -3166,12 +3208,12 @@
         </p:grpSpPr>
         <p:sp>
           <p:nvSpPr>
-            <p:cNvPr id="4" name="TextBox 4"/>
-            <p:cNvSpPr txBox="1"/>
+            <p:cNvPr name="TextBox 4" id="4"/>
+            <p:cNvSpPr txBox="true"/>
             <p:nvPr/>
           </p:nvSpPr>
           <p:spPr>
-            <a:xfrm>
+            <a:xfrm rot="0">
               <a:off x="0" y="506095"/>
               <a:ext cx="16901289" cy="3425825"/>
             </a:xfrm>
@@ -3180,7 +3222,7 @@
             </a:prstGeom>
           </p:spPr>
           <p:txBody>
-            <a:bodyPr lIns="0" tIns="0" rIns="0" bIns="0" rtlCol="0" anchor="t">
+            <a:bodyPr anchor="t" rtlCol="false" tIns="0" lIns="0" bIns="0" rIns="0">
               <a:spAutoFit/>
             </a:bodyPr>
             <a:lstStyle/>
@@ -3204,12 +3246,12 @@
         </p:sp>
         <p:sp>
           <p:nvSpPr>
-            <p:cNvPr id="5" name="TextBox 5"/>
-            <p:cNvSpPr txBox="1"/>
+            <p:cNvPr name="TextBox 5" id="5"/>
+            <p:cNvSpPr txBox="true"/>
             <p:nvPr/>
           </p:nvSpPr>
           <p:spPr>
-            <a:xfrm>
+            <a:xfrm rot="0">
               <a:off x="0" y="4623223"/>
               <a:ext cx="16901289" cy="1107017"/>
             </a:xfrm>
@@ -3218,7 +3260,7 @@
             </a:prstGeom>
           </p:spPr>
           <p:txBody>
-            <a:bodyPr lIns="0" tIns="0" rIns="0" bIns="0" rtlCol="0" anchor="t">
+            <a:bodyPr anchor="t" rtlCol="false" tIns="0" lIns="0" bIns="0" rIns="0">
               <a:spAutoFit/>
             </a:bodyPr>
             <a:lstStyle/>
@@ -3228,19 +3270,18 @@
                   <a:spcPts val="7000"/>
                 </a:lnSpc>
               </a:pPr>
-              <a:endParaRPr/>
             </a:p>
           </p:txBody>
         </p:sp>
       </p:grpSp>
       <p:grpSp>
         <p:nvGrpSpPr>
-          <p:cNvPr id="6" name="Group 6"/>
+          <p:cNvPr name="Group 6" id="6"/>
           <p:cNvGrpSpPr/>
           <p:nvPr/>
         </p:nvGrpSpPr>
         <p:grpSpPr>
-          <a:xfrm>
+          <a:xfrm rot="0">
             <a:off x="3307597" y="6563080"/>
             <a:ext cx="10899472" cy="2139950"/>
             <a:chOff x="0" y="0"/>
@@ -3249,12 +3290,12 @@
         </p:grpSpPr>
         <p:sp>
           <p:nvSpPr>
-            <p:cNvPr id="7" name="TextBox 7"/>
-            <p:cNvSpPr txBox="1"/>
+            <p:cNvPr name="TextBox 7" id="7"/>
+            <p:cNvSpPr txBox="true"/>
             <p:nvPr/>
           </p:nvSpPr>
           <p:spPr>
-            <a:xfrm>
+            <a:xfrm rot="0">
               <a:off x="0" y="574252"/>
               <a:ext cx="14532630" cy="2279015"/>
             </a:xfrm>
@@ -3263,7 +3304,7 @@
             </a:prstGeom>
           </p:spPr>
           <p:txBody>
-            <a:bodyPr lIns="0" tIns="0" rIns="0" bIns="0" rtlCol="0" anchor="t">
+            <a:bodyPr anchor="t" rtlCol="false" tIns="0" lIns="0" bIns="0" rIns="0">
               <a:spAutoFit/>
             </a:bodyPr>
             <a:lstStyle/>
@@ -3319,12 +3360,12 @@
         </p:sp>
         <p:sp>
           <p:nvSpPr>
-            <p:cNvPr id="8" name="TextBox 8"/>
-            <p:cNvSpPr txBox="1"/>
+            <p:cNvPr name="TextBox 8" id="8"/>
+            <p:cNvSpPr txBox="true"/>
             <p:nvPr/>
           </p:nvSpPr>
           <p:spPr>
-            <a:xfrm>
+            <a:xfrm rot="0">
               <a:off x="0" y="-19050"/>
               <a:ext cx="14532630" cy="475403"/>
             </a:xfrm>
@@ -3333,7 +3374,7 @@
             </a:prstGeom>
           </p:spPr>
           <p:txBody>
-            <a:bodyPr lIns="0" tIns="0" rIns="0" bIns="0" rtlCol="0" anchor="t">
+            <a:bodyPr anchor="t" rtlCol="false" tIns="0" lIns="0" bIns="0" rIns="0">
               <a:spAutoFit/>
             </a:bodyPr>
             <a:lstStyle/>
@@ -3346,32 +3387,31 @@
                   <a:spcPct val="0"/>
                 </a:spcBef>
               </a:pPr>
-              <a:endParaRPr/>
             </a:p>
           </p:txBody>
         </p:sp>
       </p:grpSp>
       <p:sp>
         <p:nvSpPr>
-          <p:cNvPr id="9" name="AutoShape 9"/>
+          <p:cNvPr name="AutoShape 9" id="9"/>
           <p:cNvSpPr/>
           <p:nvPr/>
         </p:nvSpPr>
         <p:spPr>
-          <a:xfrm>
+          <a:xfrm rot="0">
             <a:off x="2737685" y="6563080"/>
             <a:ext cx="12039296" cy="0"/>
           </a:xfrm>
           <a:prstGeom prst="line">
             <a:avLst/>
           </a:prstGeom>
-          <a:ln w="47625" cap="rnd">
+          <a:ln cap="rnd" w="47625">
             <a:solidFill>
               <a:srgbClr val="FFFFFF"/>
             </a:solidFill>
             <a:prstDash val="solid"/>
-            <a:headEnd type="none" w="sm" len="sm"/>
-            <a:tailEnd type="none" w="sm" len="sm"/>
+            <a:headEnd type="none" len="sm" w="sm"/>
+            <a:tailEnd type="none" len="sm" w="sm"/>
           </a:ln>
         </p:spPr>
       </p:sp>
@@ -3383,15 +3423,14 @@
 </p:sld>
 </file>
 
-<file path=ppt/slides/slide2.xml><?xml version="1.0" encoding="utf-8"?>
-<p:sld xmlns:a="http://schemas.openxmlformats.org/drawingml/2006/main" xmlns:r="http://schemas.openxmlformats.org/officeDocument/2006/relationships" xmlns:p="http://schemas.openxmlformats.org/presentationml/2006/main">
+<file path=ppt/slides/slide10.xml><?xml version="1.0" encoding="utf-8"?>
+<p:sld xmlns:p="http://schemas.openxmlformats.org/presentationml/2006/main" xmlns:a="http://schemas.openxmlformats.org/drawingml/2006/main" xmlns:r="http://schemas.openxmlformats.org/officeDocument/2006/relationships">
   <p:cSld>
     <p:bg>
       <p:bgPr>
         <a:solidFill>
-          <a:srgbClr val="272727"/>
+          <a:srgbClr val="9B2C2C"/>
         </a:solidFill>
-        <a:effectLst/>
       </p:bgPr>
     </p:bg>
     <p:spTree>
@@ -3410,9 +3449,113 @@
       </p:grpSpPr>
       <p:pic>
         <p:nvPicPr>
-          <p:cNvPr id="2" name="Picture 2"/>
+          <p:cNvPr name="Picture 2" id="2"/>
           <p:cNvPicPr>
-            <a:picLocks noChangeAspect="1"/>
+            <a:picLocks noChangeAspect="true"/>
+          </p:cNvPicPr>
+          <p:nvPr/>
+        </p:nvPicPr>
+        <p:blipFill>
+          <a:blip r:embed="rId2">
+            <a:extLst>
+              <a:ext uri="{28A0092B-C50C-407E-A947-70E740481C1C}">
+                <a14:useLocalDpi xmlns:a14="http://schemas.microsoft.com/office/drawing/2010/main" val="0"/>
+              </a:ext>
+              <a:ext uri="{96DAC541-7B7A-43D3-8B79-37D633B846F1}">
+                <asvg:svgBlip xmlns:asvg="http://schemas.microsoft.com/office/drawing/2016/SVG/main" r:embed="rId3"/>
+              </a:ext>
+            </a:extLst>
+          </a:blip>
+          <a:srcRect l="0" t="0" r="0" b="0"/>
+          <a:stretch>
+            <a:fillRect/>
+          </a:stretch>
+        </p:blipFill>
+        <p:spPr>
+          <a:xfrm flipH="false" flipV="false" rot="0">
+            <a:off x="11812510" y="4130618"/>
+            <a:ext cx="10024456" cy="7928433"/>
+          </a:xfrm>
+          <a:prstGeom prst="rect">
+            <a:avLst/>
+          </a:prstGeom>
+        </p:spPr>
+      </p:pic>
+      <p:sp>
+        <p:nvSpPr>
+          <p:cNvPr name="TextBox 3" id="3"/>
+          <p:cNvSpPr txBox="true"/>
+          <p:nvPr/>
+        </p:nvSpPr>
+        <p:spPr>
+          <a:xfrm rot="0">
+            <a:off x="2242545" y="3968693"/>
+            <a:ext cx="13802910" cy="1533525"/>
+          </a:xfrm>
+          <a:prstGeom prst="rect">
+            <a:avLst/>
+          </a:prstGeom>
+        </p:spPr>
+        <p:txBody>
+          <a:bodyPr anchor="t" rtlCol="false" tIns="0" lIns="0" bIns="0" rIns="0">
+            <a:spAutoFit/>
+          </a:bodyPr>
+          <a:lstStyle/>
+          <a:p>
+            <a:pPr algn="ctr">
+              <a:lnSpc>
+                <a:spcPts val="12599"/>
+              </a:lnSpc>
+            </a:pPr>
+            <a:r>
+              <a:rPr lang="en-US" sz="9000">
+                <a:solidFill>
+                  <a:srgbClr val="FFFFFF"/>
+                </a:solidFill>
+                <a:latin typeface="Open Sans Extra Bold"/>
+              </a:rPr>
+              <a:t>Спасибо за внимание!</a:t>
+            </a:r>
+          </a:p>
+        </p:txBody>
+      </p:sp>
+    </p:spTree>
+  </p:cSld>
+  <p:clrMapOvr>
+    <a:masterClrMapping/>
+  </p:clrMapOvr>
+</p:sld>
+</file>
+
+<file path=ppt/slides/slide2.xml><?xml version="1.0" encoding="utf-8"?>
+<p:sld xmlns:p="http://schemas.openxmlformats.org/presentationml/2006/main" xmlns:a="http://schemas.openxmlformats.org/drawingml/2006/main" xmlns:r="http://schemas.openxmlformats.org/officeDocument/2006/relationships">
+  <p:cSld>
+    <p:bg>
+      <p:bgPr>
+        <a:solidFill>
+          <a:srgbClr val="272727"/>
+        </a:solidFill>
+      </p:bgPr>
+    </p:bg>
+    <p:spTree>
+      <p:nvGrpSpPr>
+        <p:cNvPr id="1" name=""/>
+        <p:cNvGrpSpPr/>
+        <p:nvPr/>
+      </p:nvGrpSpPr>
+      <p:grpSpPr>
+        <a:xfrm>
+          <a:off x="0" y="0"/>
+          <a:ext cx="0" cy="0"/>
+          <a:chOff x="0" y="0"/>
+          <a:chExt cx="0" cy="0"/>
+        </a:xfrm>
+      </p:grpSpPr>
+      <p:pic>
+        <p:nvPicPr>
+          <p:cNvPr name="Picture 2" id="2"/>
+          <p:cNvPicPr>
+            <a:picLocks noChangeAspect="true"/>
           </p:cNvPicPr>
           <p:nvPr/>
         </p:nvPicPr>
@@ -3428,13 +3571,13 @@
               </a:ext>
             </a:extLst>
           </a:blip>
-          <a:srcRect/>
+          <a:srcRect l="0" t="0" r="0" b="0"/>
           <a:stretch>
             <a:fillRect/>
           </a:stretch>
         </p:blipFill>
         <p:spPr>
-          <a:xfrm rot="-2128803">
+          <a:xfrm flipH="false" flipV="false" rot="-2128803">
             <a:off x="3490069" y="2236339"/>
             <a:ext cx="11103738" cy="5814321"/>
           </a:xfrm>
@@ -3445,12 +3588,12 @@
       </p:pic>
       <p:grpSp>
         <p:nvGrpSpPr>
-          <p:cNvPr id="3" name="Group 3"/>
+          <p:cNvPr name="Group 3" id="3"/>
           <p:cNvGrpSpPr/>
           <p:nvPr/>
         </p:nvGrpSpPr>
         <p:grpSpPr>
-          <a:xfrm>
+          <a:xfrm rot="0">
             <a:off x="1028700" y="860900"/>
             <a:ext cx="12077270" cy="1831087"/>
             <a:chOff x="0" y="0"/>
@@ -3459,12 +3602,12 @@
         </p:grpSpPr>
         <p:sp>
           <p:nvSpPr>
-            <p:cNvPr id="4" name="TextBox 4"/>
-            <p:cNvSpPr txBox="1"/>
+            <p:cNvPr name="TextBox 4" id="4"/>
+            <p:cNvSpPr txBox="true"/>
             <p:nvPr/>
           </p:nvSpPr>
           <p:spPr>
-            <a:xfrm>
+            <a:xfrm rot="0">
               <a:off x="0" y="-123825"/>
               <a:ext cx="16103026" cy="1848785"/>
             </a:xfrm>
@@ -3473,7 +3616,7 @@
             </a:prstGeom>
           </p:spPr>
           <p:txBody>
-            <a:bodyPr lIns="0" tIns="0" rIns="0" bIns="0" rtlCol="0" anchor="t">
+            <a:bodyPr anchor="t" rtlCol="false" tIns="0" lIns="0" bIns="0" rIns="0">
               <a:spAutoFit/>
             </a:bodyPr>
             <a:lstStyle/>
@@ -3497,12 +3640,12 @@
         </p:sp>
         <p:sp>
           <p:nvSpPr>
-            <p:cNvPr id="5" name="TextBox 5"/>
-            <p:cNvSpPr txBox="1"/>
+            <p:cNvPr name="TextBox 5" id="5"/>
+            <p:cNvSpPr txBox="true"/>
             <p:nvPr/>
           </p:nvSpPr>
           <p:spPr>
-            <a:xfrm>
+            <a:xfrm rot="0">
               <a:off x="0" y="1835493"/>
               <a:ext cx="16103026" cy="613943"/>
             </a:xfrm>
@@ -3511,7 +3654,7 @@
             </a:prstGeom>
           </p:spPr>
           <p:txBody>
-            <a:bodyPr lIns="0" tIns="0" rIns="0" bIns="0" rtlCol="0" anchor="t">
+            <a:bodyPr anchor="t" rtlCol="false" tIns="0" lIns="0" bIns="0" rIns="0">
               <a:spAutoFit/>
             </a:bodyPr>
             <a:lstStyle/>
@@ -3536,13 +3679,13 @@
       </p:grpSp>
       <p:grpSp>
         <p:nvGrpSpPr>
-          <p:cNvPr id="6" name="Group 6"/>
+          <p:cNvPr name="Group 6" id="6"/>
           <p:cNvGrpSpPr/>
           <p:nvPr/>
         </p:nvGrpSpPr>
         <p:grpSpPr>
-          <a:xfrm>
-            <a:off x="1986146" y="7050255"/>
+          <a:xfrm rot="0">
+            <a:off x="1116955" y="7050255"/>
             <a:ext cx="5950380" cy="2208045"/>
             <a:chOff x="0" y="0"/>
             <a:chExt cx="7933839" cy="2944060"/>
@@ -3550,12 +3693,12 @@
         </p:grpSpPr>
         <p:sp>
           <p:nvSpPr>
-            <p:cNvPr id="7" name="TextBox 7"/>
-            <p:cNvSpPr txBox="1"/>
+            <p:cNvPr name="TextBox 7" id="7"/>
+            <p:cNvSpPr txBox="true"/>
             <p:nvPr/>
           </p:nvSpPr>
           <p:spPr>
-            <a:xfrm>
+            <a:xfrm rot="0">
               <a:off x="0" y="1401645"/>
               <a:ext cx="7933839" cy="1542415"/>
             </a:xfrm>
@@ -3564,7 +3707,7 @@
             </a:prstGeom>
           </p:spPr>
           <p:txBody>
-            <a:bodyPr lIns="0" tIns="0" rIns="0" bIns="0" rtlCol="0" anchor="t">
+            <a:bodyPr anchor="t" rtlCol="false" tIns="0" lIns="0" bIns="0" rIns="0">
               <a:spAutoFit/>
             </a:bodyPr>
             <a:lstStyle/>
@@ -3588,12 +3731,12 @@
         </p:sp>
         <p:sp>
           <p:nvSpPr>
-            <p:cNvPr id="8" name="TextBox 8"/>
-            <p:cNvSpPr txBox="1"/>
+            <p:cNvPr name="TextBox 8" id="8"/>
+            <p:cNvSpPr txBox="true"/>
             <p:nvPr/>
           </p:nvSpPr>
           <p:spPr>
-            <a:xfrm>
+            <a:xfrm rot="0">
               <a:off x="0" y="-122343"/>
               <a:ext cx="7933839" cy="1235287"/>
             </a:xfrm>
@@ -3602,7 +3745,7 @@
             </a:prstGeom>
           </p:spPr>
           <p:txBody>
-            <a:bodyPr lIns="0" tIns="0" rIns="0" bIns="0" rtlCol="0" anchor="t">
+            <a:bodyPr anchor="t" rtlCol="false" tIns="0" lIns="0" bIns="0" rIns="0">
               <a:spAutoFit/>
             </a:bodyPr>
             <a:lstStyle/>
@@ -3619,7 +3762,16 @@
                   </a:solidFill>
                   <a:latin typeface="Codec Pro ExtraBold"/>
                 </a:rPr>
-                <a:t>01</a:t>
+                <a:t>0</a:t>
+              </a:r>
+              <a:r>
+                <a:rPr lang="en-US" sz="5424">
+                  <a:solidFill>
+                    <a:srgbClr val="FFFFFF"/>
+                  </a:solidFill>
+                  <a:latin typeface="Codec Pro ExtraBold"/>
+                </a:rPr>
+                <a:t>1</a:t>
               </a:r>
             </a:p>
           </p:txBody>
@@ -3627,12 +3779,12 @@
       </p:grpSp>
       <p:grpSp>
         <p:nvGrpSpPr>
-          <p:cNvPr id="9" name="Group 9"/>
+          <p:cNvPr name="Group 9" id="9"/>
           <p:cNvGrpSpPr/>
           <p:nvPr/>
         </p:nvGrpSpPr>
         <p:grpSpPr>
-          <a:xfrm>
+          <a:xfrm rot="0">
             <a:off x="9041938" y="7027395"/>
             <a:ext cx="8128063" cy="2230905"/>
             <a:chOff x="0" y="0"/>
@@ -3641,12 +3793,12 @@
         </p:grpSpPr>
         <p:sp>
           <p:nvSpPr>
-            <p:cNvPr id="10" name="TextBox 10"/>
-            <p:cNvSpPr txBox="1"/>
+            <p:cNvPr name="TextBox 10" id="10"/>
+            <p:cNvSpPr txBox="true"/>
             <p:nvPr/>
           </p:nvSpPr>
           <p:spPr>
-            <a:xfrm>
+            <a:xfrm rot="0">
               <a:off x="0" y="1432125"/>
               <a:ext cx="10837418" cy="1542415"/>
             </a:xfrm>
@@ -3655,12 +3807,12 @@
             </a:prstGeom>
           </p:spPr>
           <p:txBody>
-            <a:bodyPr lIns="0" tIns="0" rIns="0" bIns="0" rtlCol="0" anchor="t">
+            <a:bodyPr anchor="t" rtlCol="false" tIns="0" lIns="0" bIns="0" rIns="0">
               <a:spAutoFit/>
             </a:bodyPr>
             <a:lstStyle/>
             <a:p>
-              <a:pPr>
+              <a:pPr algn="r">
                 <a:lnSpc>
                   <a:spcPts val="4680"/>
                 </a:lnSpc>
@@ -3679,12 +3831,12 @@
         </p:sp>
         <p:sp>
           <p:nvSpPr>
-            <p:cNvPr id="11" name="TextBox 11"/>
-            <p:cNvSpPr txBox="1"/>
+            <p:cNvPr name="TextBox 11" id="11"/>
+            <p:cNvSpPr txBox="true"/>
             <p:nvPr/>
           </p:nvSpPr>
           <p:spPr>
-            <a:xfrm>
+            <a:xfrm rot="0">
               <a:off x="0" y="-122343"/>
               <a:ext cx="10837418" cy="1235287"/>
             </a:xfrm>
@@ -3693,12 +3845,12 @@
             </a:prstGeom>
           </p:spPr>
           <p:txBody>
-            <a:bodyPr lIns="0" tIns="0" rIns="0" bIns="0" rtlCol="0" anchor="t">
+            <a:bodyPr anchor="t" rtlCol="false" tIns="0" lIns="0" bIns="0" rIns="0">
               <a:spAutoFit/>
             </a:bodyPr>
             <a:lstStyle/>
             <a:p>
-              <a:pPr>
+              <a:pPr algn="r">
                 <a:lnSpc>
                   <a:spcPts val="7052"/>
                 </a:lnSpc>
@@ -3718,12 +3870,12 @@
       </p:grpSp>
       <p:sp>
         <p:nvSpPr>
-          <p:cNvPr id="12" name="TextBox 12"/>
-          <p:cNvSpPr txBox="1"/>
+          <p:cNvPr name="TextBox 12" id="12"/>
+          <p:cNvSpPr txBox="true"/>
           <p:nvPr/>
         </p:nvSpPr>
         <p:spPr>
-          <a:xfrm>
+          <a:xfrm rot="0">
             <a:off x="1011469" y="3029718"/>
             <a:ext cx="16158533" cy="1251585"/>
           </a:xfrm>
@@ -3732,7 +3884,7 @@
           </a:prstGeom>
         </p:spPr>
         <p:txBody>
-          <a:bodyPr lIns="0" tIns="0" rIns="0" bIns="0" rtlCol="0" anchor="t">
+          <a:bodyPr anchor="t" rtlCol="false" tIns="0" lIns="0" bIns="0" rIns="0">
             <a:spAutoFit/>
           </a:bodyPr>
           <a:lstStyle/>
@@ -3765,12 +3917,12 @@
       </p:sp>
       <p:sp>
         <p:nvSpPr>
-          <p:cNvPr id="13" name="TextBox 13"/>
-          <p:cNvSpPr txBox="1"/>
+          <p:cNvPr name="TextBox 13" id="13"/>
+          <p:cNvSpPr txBox="true"/>
           <p:nvPr/>
         </p:nvSpPr>
         <p:spPr>
-          <a:xfrm>
+          <a:xfrm rot="0">
             <a:off x="1028700" y="4547235"/>
             <a:ext cx="16141301" cy="1163955"/>
           </a:xfrm>
@@ -3779,7 +3931,7 @@
           </a:prstGeom>
         </p:spPr>
         <p:txBody>
-          <a:bodyPr lIns="0" tIns="0" rIns="0" bIns="0" rtlCol="0" anchor="t">
+          <a:bodyPr anchor="t" rtlCol="false" tIns="0" lIns="0" bIns="0" rIns="0">
             <a:spAutoFit/>
           </a:bodyPr>
           <a:lstStyle/>
@@ -3815,13 +3967,13 @@
       </p:sp>
       <p:sp>
         <p:nvSpPr>
-          <p:cNvPr id="14" name="TextBox 14"/>
-          <p:cNvSpPr txBox="1"/>
+          <p:cNvPr name="TextBox 14" id="14"/>
+          <p:cNvSpPr txBox="true"/>
           <p:nvPr/>
         </p:nvSpPr>
         <p:spPr>
-          <a:xfrm>
-            <a:off x="3718844" y="6038497"/>
+          <a:xfrm rot="0">
+            <a:off x="4348375" y="6140300"/>
             <a:ext cx="9387126" cy="887095"/>
           </a:xfrm>
           <a:prstGeom prst="rect">
@@ -3829,7 +3981,7 @@
           </a:prstGeom>
         </p:spPr>
         <p:txBody>
-          <a:bodyPr lIns="0" tIns="0" rIns="0" bIns="0" rtlCol="0" anchor="t">
+          <a:bodyPr anchor="t" rtlCol="false" tIns="0" lIns="0" bIns="0" rIns="0">
             <a:spAutoFit/>
           </a:bodyPr>
           <a:lstStyle/>
@@ -3860,14 +4012,13 @@
 </file>
 
 <file path=ppt/slides/slide3.xml><?xml version="1.0" encoding="utf-8"?>
-<p:sld xmlns:a="http://schemas.openxmlformats.org/drawingml/2006/main" xmlns:r="http://schemas.openxmlformats.org/officeDocument/2006/relationships" xmlns:p="http://schemas.openxmlformats.org/presentationml/2006/main">
+<p:sld xmlns:p="http://schemas.openxmlformats.org/presentationml/2006/main" xmlns:a="http://schemas.openxmlformats.org/drawingml/2006/main" xmlns:r="http://schemas.openxmlformats.org/officeDocument/2006/relationships">
   <p:cSld>
     <p:bg>
       <p:bgPr>
         <a:solidFill>
           <a:srgbClr val="9B2C2C"/>
         </a:solidFill>
-        <a:effectLst/>
       </p:bgPr>
     </p:bg>
     <p:spTree>
@@ -3886,9 +4037,9 @@
       </p:grpSpPr>
       <p:pic>
         <p:nvPicPr>
-          <p:cNvPr id="2" name="Picture 2"/>
+          <p:cNvPr name="Picture 2" id="2"/>
           <p:cNvPicPr>
-            <a:picLocks noChangeAspect="1"/>
+            <a:picLocks noChangeAspect="true"/>
           </p:cNvPicPr>
           <p:nvPr/>
         </p:nvPicPr>
@@ -3903,13 +4054,13 @@
               </a:ext>
             </a:extLst>
           </a:blip>
-          <a:srcRect/>
+          <a:srcRect l="0" t="0" r="0" b="0"/>
           <a:stretch>
             <a:fillRect/>
           </a:stretch>
         </p:blipFill>
         <p:spPr>
-          <a:xfrm>
+          <a:xfrm flipH="false" flipV="false" rot="0">
             <a:off x="879463" y="1291428"/>
             <a:ext cx="7704144" cy="7704144"/>
           </a:xfrm>
@@ -3920,14 +4071,14 @@
       </p:pic>
       <p:pic>
         <p:nvPicPr>
-          <p:cNvPr id="3" name="Picture 3"/>
+          <p:cNvPr name="Picture 3" id="3"/>
           <p:cNvPicPr>
-            <a:picLocks noChangeAspect="1"/>
+            <a:picLocks noChangeAspect="true"/>
           </p:cNvPicPr>
           <p:nvPr/>
         </p:nvPicPr>
         <p:blipFill>
-          <a:blip r:embed="rId4" cstate="print">
+          <a:blip r:embed="rId4">
             <a:extLst>
               <a:ext uri="{28A0092B-C50C-407E-A947-70E740481C1C}">
                 <a14:useLocalDpi xmlns:a14="http://schemas.microsoft.com/office/drawing/2010/main" val="0"/>
@@ -3937,13 +4088,13 @@
               </a:ext>
             </a:extLst>
           </a:blip>
-          <a:srcRect/>
+          <a:srcRect l="0" t="0" r="0" b="0"/>
           <a:stretch>
             <a:fillRect/>
           </a:stretch>
         </p:blipFill>
         <p:spPr>
-          <a:xfrm rot="5400000">
+          <a:xfrm flipH="false" flipV="false" rot="5400000">
             <a:off x="2674135" y="3188173"/>
             <a:ext cx="4114800" cy="4114800"/>
           </a:xfrm>
@@ -3954,21 +4105,21 @@
       </p:pic>
       <p:sp>
         <p:nvSpPr>
-          <p:cNvPr id="4" name="TextBox 4"/>
-          <p:cNvSpPr txBox="1"/>
+          <p:cNvPr name="TextBox 4" id="4"/>
+          <p:cNvSpPr txBox="true"/>
           <p:nvPr/>
         </p:nvSpPr>
         <p:spPr>
-          <a:xfrm>
-            <a:off x="11952156" y="904875"/>
-            <a:ext cx="5307144" cy="1428750"/>
+          <a:xfrm rot="0">
+            <a:off x="11952156" y="895350"/>
+            <a:ext cx="5307144" cy="1438275"/>
           </a:xfrm>
           <a:prstGeom prst="rect">
             <a:avLst/>
           </a:prstGeom>
         </p:spPr>
         <p:txBody>
-          <a:bodyPr lIns="0" tIns="0" rIns="0" bIns="0" rtlCol="0" anchor="t">
+          <a:bodyPr anchor="t" rtlCol="false" tIns="0" lIns="0" bIns="0" rIns="0">
             <a:spAutoFit/>
           </a:bodyPr>
           <a:lstStyle/>
@@ -3992,12 +4143,12 @@
       </p:sp>
       <p:sp>
         <p:nvSpPr>
-          <p:cNvPr id="5" name="TextBox 5"/>
-          <p:cNvSpPr txBox="1"/>
+          <p:cNvPr name="TextBox 5" id="5"/>
+          <p:cNvSpPr txBox="true"/>
           <p:nvPr/>
         </p:nvSpPr>
         <p:spPr>
-          <a:xfrm>
+          <a:xfrm rot="0">
             <a:off x="7268739" y="3810148"/>
             <a:ext cx="10192764" cy="3162300"/>
           </a:xfrm>
@@ -4006,7 +4157,7 @@
           </a:prstGeom>
         </p:spPr>
         <p:txBody>
-          <a:bodyPr lIns="0" tIns="0" rIns="0" bIns="0" rtlCol="0" anchor="t">
+          <a:bodyPr anchor="t" rtlCol="false" tIns="0" lIns="0" bIns="0" rIns="0">
             <a:spAutoFit/>
           </a:bodyPr>
           <a:lstStyle/>
@@ -4037,14 +4188,13 @@
 </file>
 
 <file path=ppt/slides/slide4.xml><?xml version="1.0" encoding="utf-8"?>
-<p:sld xmlns:a="http://schemas.openxmlformats.org/drawingml/2006/main" xmlns:r="http://schemas.openxmlformats.org/officeDocument/2006/relationships" xmlns:p="http://schemas.openxmlformats.org/presentationml/2006/main">
+<p:sld xmlns:p="http://schemas.openxmlformats.org/presentationml/2006/main" xmlns:a="http://schemas.openxmlformats.org/drawingml/2006/main">
   <p:cSld>
     <p:bg>
       <p:bgPr>
         <a:solidFill>
           <a:srgbClr val="D6D6D6"/>
         </a:solidFill>
-        <a:effectLst/>
       </p:bgPr>
     </p:bg>
     <p:spTree>
@@ -4063,12 +4213,12 @@
       </p:grpSpPr>
       <p:sp>
         <p:nvSpPr>
-          <p:cNvPr id="2" name="TextBox 2"/>
-          <p:cNvSpPr txBox="1"/>
+          <p:cNvPr name="TextBox 2" id="2"/>
+          <p:cNvSpPr txBox="true"/>
           <p:nvPr/>
         </p:nvSpPr>
         <p:spPr>
-          <a:xfrm>
+          <a:xfrm rot="0">
             <a:off x="1738328" y="7339157"/>
             <a:ext cx="2663979" cy="942975"/>
           </a:xfrm>
@@ -4077,7 +4227,7 @@
           </a:prstGeom>
         </p:spPr>
         <p:txBody>
-          <a:bodyPr lIns="0" tIns="0" rIns="0" bIns="0" rtlCol="0" anchor="t">
+          <a:bodyPr anchor="t" rtlCol="false" tIns="0" lIns="0" bIns="0" rIns="0">
             <a:spAutoFit/>
           </a:bodyPr>
           <a:lstStyle/>
@@ -4101,13 +4251,13 @@
       </p:sp>
       <p:sp>
         <p:nvSpPr>
-          <p:cNvPr id="3" name="TextBox 3"/>
-          <p:cNvSpPr txBox="1"/>
+          <p:cNvPr name="TextBox 3" id="3"/>
+          <p:cNvSpPr txBox="true"/>
           <p:nvPr/>
         </p:nvSpPr>
         <p:spPr>
-          <a:xfrm>
-            <a:off x="5563124" y="7583820"/>
+          <a:xfrm rot="0">
+            <a:off x="5563124" y="7489652"/>
             <a:ext cx="2667007" cy="737235"/>
           </a:xfrm>
           <a:prstGeom prst="rect">
@@ -4115,12 +4265,12 @@
           </a:prstGeom>
         </p:spPr>
         <p:txBody>
-          <a:bodyPr lIns="0" tIns="0" rIns="0" bIns="0" rtlCol="0" anchor="t">
+          <a:bodyPr anchor="t" rtlCol="false" tIns="0" lIns="0" bIns="0" rIns="0">
             <a:spAutoFit/>
           </a:bodyPr>
           <a:lstStyle/>
           <a:p>
-            <a:pPr marL="0" lvl="0" indent="0" algn="ctr">
+            <a:pPr algn="ctr" marL="0" indent="0" lvl="0">
               <a:lnSpc>
                 <a:spcPts val="2789"/>
               </a:lnSpc>
@@ -4142,12 +4292,12 @@
       </p:sp>
       <p:sp>
         <p:nvSpPr>
-          <p:cNvPr id="4" name="TextBox 4"/>
-          <p:cNvSpPr txBox="1"/>
+          <p:cNvPr name="TextBox 4" id="4"/>
+          <p:cNvSpPr txBox="true"/>
           <p:nvPr/>
         </p:nvSpPr>
         <p:spPr>
-          <a:xfrm>
+          <a:xfrm rot="0">
             <a:off x="8865971" y="7430008"/>
             <a:ext cx="3425073" cy="942975"/>
           </a:xfrm>
@@ -4156,12 +4306,12 @@
           </a:prstGeom>
         </p:spPr>
         <p:txBody>
-          <a:bodyPr lIns="0" tIns="0" rIns="0" bIns="0" rtlCol="0" anchor="t">
+          <a:bodyPr anchor="t" rtlCol="false" tIns="0" lIns="0" bIns="0" rIns="0">
             <a:spAutoFit/>
           </a:bodyPr>
           <a:lstStyle/>
           <a:p>
-            <a:pPr marL="0" lvl="0" indent="0" algn="ctr">
+            <a:pPr algn="ctr" marL="0" indent="0" lvl="0">
               <a:lnSpc>
                 <a:spcPts val="3719"/>
               </a:lnSpc>
@@ -4183,26 +4333,26 @@
       </p:sp>
       <p:sp>
         <p:nvSpPr>
-          <p:cNvPr id="5" name="TextBox 5"/>
-          <p:cNvSpPr txBox="1"/>
+          <p:cNvPr name="TextBox 5" id="5"/>
+          <p:cNvSpPr txBox="true"/>
           <p:nvPr/>
         </p:nvSpPr>
         <p:spPr>
-          <a:xfrm>
-            <a:off x="12925278" y="7572519"/>
-            <a:ext cx="2863602" cy="476250"/>
+          <a:xfrm rot="0">
+            <a:off x="12571992" y="7488570"/>
+            <a:ext cx="3546038" cy="942975"/>
           </a:xfrm>
           <a:prstGeom prst="rect">
             <a:avLst/>
           </a:prstGeom>
         </p:spPr>
         <p:txBody>
-          <a:bodyPr lIns="0" tIns="0" rIns="0" bIns="0" rtlCol="0" anchor="t">
+          <a:bodyPr anchor="t" rtlCol="false" tIns="0" lIns="0" bIns="0" rIns="0">
             <a:spAutoFit/>
           </a:bodyPr>
           <a:lstStyle/>
           <a:p>
-            <a:pPr marL="0" lvl="0" indent="0" algn="ctr">
+            <a:pPr algn="ctr" marL="0" indent="0" lvl="0">
               <a:lnSpc>
                 <a:spcPts val="3719"/>
               </a:lnSpc>
@@ -4217,14 +4367,14 @@
                 </a:solidFill>
                 <a:latin typeface="Montserrat Bold"/>
               </a:rPr>
-              <a:t>Стиль речи</a:t>
-            </a:r>
-          </a:p>
-        </p:txBody>
-      </p:sp>
-      <p:sp>
-        <p:nvSpPr>
-          <p:cNvPr id="6" name="AutoShape 6"/>
+              <a:t>Стиль, связность речи</a:t>
+            </a:r>
+          </a:p>
+        </p:txBody>
+      </p:sp>
+      <p:sp>
+        <p:nvSpPr>
+          <p:cNvPr name="AutoShape 6" id="6"/>
           <p:cNvSpPr/>
           <p:nvPr/>
         </p:nvSpPr>
@@ -4236,19 +4386,19 @@
           <a:prstGeom prst="line">
             <a:avLst/>
           </a:prstGeom>
-          <a:ln w="9525" cap="rnd">
+          <a:ln cap="rnd" w="9525">
             <a:solidFill>
               <a:srgbClr val="272727"/>
             </a:solidFill>
             <a:prstDash val="solid"/>
-            <a:headEnd type="oval" w="lg" len="lg"/>
-            <a:tailEnd type="none" w="sm" len="sm"/>
+            <a:headEnd type="oval" len="lg" w="lg"/>
+            <a:tailEnd type="none" len="sm" w="sm"/>
           </a:ln>
         </p:spPr>
       </p:sp>
       <p:sp>
         <p:nvSpPr>
-          <p:cNvPr id="7" name="AutoShape 7"/>
+          <p:cNvPr name="AutoShape 7" id="7"/>
           <p:cNvSpPr/>
           <p:nvPr/>
         </p:nvSpPr>
@@ -4260,19 +4410,19 @@
           <a:prstGeom prst="line">
             <a:avLst/>
           </a:prstGeom>
-          <a:ln w="9525" cap="rnd">
+          <a:ln cap="rnd" w="9525">
             <a:solidFill>
               <a:srgbClr val="272727"/>
             </a:solidFill>
             <a:prstDash val="solid"/>
-            <a:headEnd type="oval" w="lg" len="lg"/>
-            <a:tailEnd type="none" w="sm" len="sm"/>
+            <a:headEnd type="oval" len="lg" w="lg"/>
+            <a:tailEnd type="none" len="sm" w="sm"/>
           </a:ln>
         </p:spPr>
       </p:sp>
       <p:sp>
         <p:nvSpPr>
-          <p:cNvPr id="8" name="AutoShape 8"/>
+          <p:cNvPr name="AutoShape 8" id="8"/>
           <p:cNvSpPr/>
           <p:nvPr/>
         </p:nvSpPr>
@@ -4284,19 +4434,19 @@
           <a:prstGeom prst="line">
             <a:avLst/>
           </a:prstGeom>
-          <a:ln w="9525" cap="rnd">
+          <a:ln cap="rnd" w="9525">
             <a:solidFill>
               <a:srgbClr val="272727"/>
             </a:solidFill>
             <a:prstDash val="solid"/>
-            <a:headEnd type="oval" w="lg" len="lg"/>
-            <a:tailEnd type="none" w="sm" len="sm"/>
+            <a:headEnd type="oval" len="lg" w="lg"/>
+            <a:tailEnd type="none" len="sm" w="sm"/>
           </a:ln>
         </p:spPr>
       </p:sp>
       <p:sp>
         <p:nvSpPr>
-          <p:cNvPr id="9" name="AutoShape 9"/>
+          <p:cNvPr name="AutoShape 9" id="9"/>
           <p:cNvSpPr/>
           <p:nvPr/>
         </p:nvSpPr>
@@ -4308,25 +4458,25 @@
           <a:prstGeom prst="line">
             <a:avLst/>
           </a:prstGeom>
-          <a:ln w="9525" cap="rnd">
+          <a:ln cap="rnd" w="9525">
             <a:solidFill>
               <a:srgbClr val="272727"/>
             </a:solidFill>
             <a:prstDash val="solid"/>
-            <a:headEnd type="oval" w="lg" len="lg"/>
-            <a:tailEnd type="none" w="sm" len="sm"/>
+            <a:headEnd type="oval" len="lg" w="lg"/>
+            <a:tailEnd type="none" len="sm" w="sm"/>
           </a:ln>
         </p:spPr>
       </p:sp>
       <p:grpSp>
         <p:nvGrpSpPr>
-          <p:cNvPr id="10" name="Group 10"/>
+          <p:cNvPr name="Group 10" id="10"/>
           <p:cNvGrpSpPr/>
           <p:nvPr/>
         </p:nvGrpSpPr>
         <p:grpSpPr>
-          <a:xfrm>
-            <a:off x="1831117" y="1022499"/>
+          <a:xfrm rot="0">
+            <a:off x="1028700" y="1028700"/>
             <a:ext cx="12077270" cy="1823332"/>
             <a:chOff x="0" y="0"/>
             <a:chExt cx="16103026" cy="2431109"/>
@@ -4334,12 +4484,12 @@
         </p:grpSpPr>
         <p:sp>
           <p:nvSpPr>
-            <p:cNvPr id="11" name="TextBox 11"/>
-            <p:cNvSpPr txBox="1"/>
+            <p:cNvPr name="TextBox 11" id="11"/>
+            <p:cNvSpPr txBox="true"/>
             <p:nvPr/>
           </p:nvSpPr>
           <p:spPr>
-            <a:xfrm>
+            <a:xfrm rot="0">
               <a:off x="0" y="-123825"/>
               <a:ext cx="16103026" cy="1838325"/>
             </a:xfrm>
@@ -4348,7 +4498,7 @@
             </a:prstGeom>
           </p:spPr>
           <p:txBody>
-            <a:bodyPr lIns="0" tIns="0" rIns="0" bIns="0" rtlCol="0" anchor="t">
+            <a:bodyPr anchor="t" rtlCol="false" tIns="0" lIns="0" bIns="0" rIns="0">
               <a:spAutoFit/>
             </a:bodyPr>
             <a:lstStyle/>
@@ -4359,7 +4509,7 @@
                 </a:lnSpc>
               </a:pPr>
               <a:r>
-                <a:rPr lang="en-US" sz="8488" dirty="0" err="1">
+                <a:rPr lang="en-US" sz="8488">
                   <a:solidFill>
                     <a:srgbClr val="272727"/>
                   </a:solidFill>
@@ -4367,23 +4517,17 @@
                 </a:rPr>
                 <a:t>Идея</a:t>
               </a:r>
-              <a:endParaRPr lang="en-US" sz="8488" dirty="0">
-                <a:solidFill>
-                  <a:srgbClr val="272727"/>
-                </a:solidFill>
-                <a:latin typeface="Codec Pro ExtraBold"/>
-              </a:endParaRPr>
             </a:p>
           </p:txBody>
         </p:sp>
         <p:sp>
           <p:nvSpPr>
-            <p:cNvPr id="12" name="TextBox 12"/>
-            <p:cNvSpPr txBox="1"/>
+            <p:cNvPr name="TextBox 12" id="12"/>
+            <p:cNvSpPr txBox="true"/>
             <p:nvPr/>
           </p:nvSpPr>
           <p:spPr>
-            <a:xfrm>
+            <a:xfrm rot="0">
               <a:off x="0" y="1825033"/>
               <a:ext cx="16103026" cy="614062"/>
             </a:xfrm>
@@ -4392,7 +4536,7 @@
             </a:prstGeom>
           </p:spPr>
           <p:txBody>
-            <a:bodyPr lIns="0" tIns="0" rIns="0" bIns="0" rtlCol="0" anchor="t">
+            <a:bodyPr anchor="t" rtlCol="false" tIns="0" lIns="0" bIns="0" rIns="0">
               <a:spAutoFit/>
             </a:bodyPr>
             <a:lstStyle/>
@@ -4417,12 +4561,12 @@
       </p:grpSp>
       <p:grpSp>
         <p:nvGrpSpPr>
-          <p:cNvPr id="13" name="Group 13"/>
+          <p:cNvPr name="Group 13" id="13"/>
           <p:cNvGrpSpPr/>
           <p:nvPr/>
         </p:nvGrpSpPr>
         <p:grpSpPr>
-          <a:xfrm>
+          <a:xfrm rot="0">
             <a:off x="1825533" y="3323799"/>
             <a:ext cx="2502937" cy="2570929"/>
             <a:chOff x="0" y="0"/>
@@ -4431,12 +4575,12 @@
         </p:grpSpPr>
         <p:grpSp>
           <p:nvGrpSpPr>
-            <p:cNvPr id="14" name="Group 14"/>
+            <p:cNvPr name="Group 14" id="14"/>
             <p:cNvGrpSpPr/>
             <p:nvPr/>
           </p:nvGrpSpPr>
           <p:grpSpPr>
-            <a:xfrm>
+            <a:xfrm rot="0">
               <a:off x="0" y="0"/>
               <a:ext cx="3337249" cy="3427905"/>
               <a:chOff x="0" y="0"/>
@@ -4445,7 +4589,7 @@
           </p:grpSpPr>
           <p:sp>
             <p:nvSpPr>
-              <p:cNvPr id="15" name="Freeform 15"/>
+              <p:cNvPr name="Freeform 15" id="15"/>
               <p:cNvSpPr/>
               <p:nvPr/>
             </p:nvSpPr>
@@ -4459,9 +4603,9 @@
                 <a:gdLst/>
                 <a:ahLst/>
                 <a:cxnLst/>
-                <a:rect l="l" t="t" r="r" b="b"/>
+                <a:rect r="r" b="b" t="t" l="l"/>
                 <a:pathLst>
-                  <a:path w="6321665" h="6350000">
+                  <a:path h="6350000" w="6321665">
                     <a:moveTo>
                       <a:pt x="3160833" y="0"/>
                     </a:moveTo>
@@ -4500,12 +4644,12 @@
         </p:grpSp>
         <p:sp>
           <p:nvSpPr>
-            <p:cNvPr id="16" name="TextBox 16"/>
-            <p:cNvSpPr txBox="1"/>
+            <p:cNvPr name="TextBox 16" id="16"/>
+            <p:cNvSpPr txBox="true"/>
             <p:nvPr/>
           </p:nvSpPr>
           <p:spPr>
-            <a:xfrm>
+            <a:xfrm rot="0">
               <a:off x="477404" y="1020243"/>
               <a:ext cx="2382441" cy="1292169"/>
             </a:xfrm>
@@ -4514,7 +4658,7 @@
             </a:prstGeom>
           </p:spPr>
           <p:txBody>
-            <a:bodyPr lIns="0" tIns="0" rIns="0" bIns="0" rtlCol="0" anchor="t">
+            <a:bodyPr anchor="t" rtlCol="false" tIns="0" lIns="0" bIns="0" rIns="0">
               <a:spAutoFit/>
             </a:bodyPr>
             <a:lstStyle/>
@@ -4539,13 +4683,13 @@
       </p:grpSp>
       <p:grpSp>
         <p:nvGrpSpPr>
-          <p:cNvPr id="17" name="Group 17"/>
+          <p:cNvPr name="Group 17" id="17"/>
           <p:cNvGrpSpPr/>
           <p:nvPr/>
         </p:nvGrpSpPr>
         <p:grpSpPr>
-          <a:xfrm>
-            <a:off x="13099575" y="3235290"/>
+          <a:xfrm rot="0">
+            <a:off x="13105610" y="3323799"/>
             <a:ext cx="2502937" cy="2570929"/>
             <a:chOff x="0" y="0"/>
             <a:chExt cx="3337249" cy="3427905"/>
@@ -4553,12 +4697,12 @@
         </p:grpSpPr>
         <p:grpSp>
           <p:nvGrpSpPr>
-            <p:cNvPr id="18" name="Group 18"/>
+            <p:cNvPr name="Group 18" id="18"/>
             <p:cNvGrpSpPr/>
             <p:nvPr/>
           </p:nvGrpSpPr>
           <p:grpSpPr>
-            <a:xfrm>
+            <a:xfrm rot="0">
               <a:off x="0" y="0"/>
               <a:ext cx="3337249" cy="3427905"/>
               <a:chOff x="0" y="0"/>
@@ -4567,7 +4711,7 @@
           </p:grpSpPr>
           <p:sp>
             <p:nvSpPr>
-              <p:cNvPr id="19" name="Freeform 19"/>
+              <p:cNvPr name="Freeform 19" id="19"/>
               <p:cNvSpPr/>
               <p:nvPr/>
             </p:nvSpPr>
@@ -4581,9 +4725,9 @@
                 <a:gdLst/>
                 <a:ahLst/>
                 <a:cxnLst/>
-                <a:rect l="l" t="t" r="r" b="b"/>
+                <a:rect r="r" b="b" t="t" l="l"/>
                 <a:pathLst>
-                  <a:path w="6321665" h="6350000">
+                  <a:path h="6350000" w="6321665">
                     <a:moveTo>
                       <a:pt x="3160833" y="0"/>
                     </a:moveTo>
@@ -4622,12 +4766,12 @@
         </p:grpSp>
         <p:sp>
           <p:nvSpPr>
-            <p:cNvPr id="20" name="TextBox 20"/>
-            <p:cNvSpPr txBox="1"/>
+            <p:cNvPr name="TextBox 20" id="20"/>
+            <p:cNvSpPr txBox="true"/>
             <p:nvPr/>
           </p:nvSpPr>
           <p:spPr>
-            <a:xfrm>
+            <a:xfrm rot="0">
               <a:off x="477404" y="1020243"/>
               <a:ext cx="2382441" cy="1292169"/>
             </a:xfrm>
@@ -4636,7 +4780,7 @@
             </a:prstGeom>
           </p:spPr>
           <p:txBody>
-            <a:bodyPr lIns="0" tIns="0" rIns="0" bIns="0" rtlCol="0" anchor="t">
+            <a:bodyPr anchor="t" rtlCol="false" tIns="0" lIns="0" bIns="0" rIns="0">
               <a:spAutoFit/>
             </a:bodyPr>
             <a:lstStyle/>
@@ -4661,51 +4805,51 @@
       </p:grpSp>
       <p:grpSp>
         <p:nvGrpSpPr>
-          <p:cNvPr id="21" name="Group 21"/>
+          <p:cNvPr name="Group 21" id="21"/>
           <p:cNvGrpSpPr/>
           <p:nvPr/>
         </p:nvGrpSpPr>
         <p:grpSpPr>
-          <a:xfrm>
-            <a:off x="5650743" y="3288079"/>
-            <a:ext cx="2491768" cy="2570929"/>
-            <a:chOff x="22433" y="-47627"/>
-            <a:chExt cx="3322357" cy="3427905"/>
+          <a:xfrm rot="0">
+            <a:off x="5633918" y="3323799"/>
+            <a:ext cx="2502937" cy="2570929"/>
+            <a:chOff x="0" y="0"/>
+            <a:chExt cx="3337249" cy="3427905"/>
           </a:xfrm>
         </p:grpSpPr>
         <p:grpSp>
           <p:nvGrpSpPr>
-            <p:cNvPr id="22" name="Group 22"/>
+            <p:cNvPr name="Group 22" id="22"/>
             <p:cNvGrpSpPr/>
             <p:nvPr/>
           </p:nvGrpSpPr>
           <p:grpSpPr>
-            <a:xfrm>
-              <a:off x="22433" y="-47627"/>
-              <a:ext cx="3322357" cy="3427905"/>
-              <a:chOff x="42685" y="-88226"/>
-              <a:chExt cx="6321664" cy="6350000"/>
+            <a:xfrm rot="0">
+              <a:off x="0" y="0"/>
+              <a:ext cx="3337249" cy="3427905"/>
+              <a:chOff x="0" y="0"/>
+              <a:chExt cx="6350000" cy="6350000"/>
             </a:xfrm>
           </p:grpSpPr>
           <p:sp>
             <p:nvSpPr>
-              <p:cNvPr id="23" name="Freeform 23"/>
+              <p:cNvPr name="Freeform 23" id="23"/>
               <p:cNvSpPr/>
               <p:nvPr/>
             </p:nvSpPr>
             <p:spPr>
               <a:xfrm>
-                <a:off x="42685" y="-88226"/>
-                <a:ext cx="6321664" cy="6350000"/>
+                <a:off x="14167" y="0"/>
+                <a:ext cx="6321665" cy="6350000"/>
               </a:xfrm>
               <a:custGeom>
                 <a:avLst/>
                 <a:gdLst/>
                 <a:ahLst/>
                 <a:cxnLst/>
-                <a:rect l="l" t="t" r="r" b="b"/>
+                <a:rect r="r" b="b" t="t" l="l"/>
                 <a:pathLst>
-                  <a:path w="6321665" h="6350000">
+                  <a:path h="6350000" w="6321665">
                     <a:moveTo>
                       <a:pt x="3160833" y="0"/>
                     </a:moveTo>
@@ -4744,12 +4888,12 @@
         </p:grpSp>
         <p:sp>
           <p:nvSpPr>
-            <p:cNvPr id="24" name="TextBox 24"/>
-            <p:cNvSpPr txBox="1"/>
+            <p:cNvPr name="TextBox 24" id="24"/>
+            <p:cNvSpPr txBox="true"/>
             <p:nvPr/>
           </p:nvSpPr>
           <p:spPr>
-            <a:xfrm>
+            <a:xfrm rot="0">
               <a:off x="477404" y="1020243"/>
               <a:ext cx="2382441" cy="1292169"/>
             </a:xfrm>
@@ -4758,7 +4902,7 @@
             </a:prstGeom>
           </p:spPr>
           <p:txBody>
-            <a:bodyPr lIns="0" tIns="0" rIns="0" bIns="0" rtlCol="0" anchor="t">
+            <a:bodyPr anchor="t" rtlCol="false" tIns="0" lIns="0" bIns="0" rIns="0">
               <a:spAutoFit/>
             </a:bodyPr>
             <a:lstStyle/>
@@ -4769,7 +4913,7 @@
                 </a:lnSpc>
               </a:pPr>
               <a:r>
-                <a:rPr lang="en-US" sz="5946" dirty="0">
+                <a:rPr lang="en-US" sz="5946">
                   <a:solidFill>
                     <a:srgbClr val="272727"/>
                   </a:solidFill>
@@ -4783,51 +4927,51 @@
       </p:grpSp>
       <p:grpSp>
         <p:nvGrpSpPr>
-          <p:cNvPr id="25" name="Group 25"/>
+          <p:cNvPr name="Group 25" id="25"/>
           <p:cNvGrpSpPr/>
           <p:nvPr/>
         </p:nvGrpSpPr>
         <p:grpSpPr>
-          <a:xfrm>
-            <a:off x="9350220" y="3230857"/>
-            <a:ext cx="2491768" cy="2570929"/>
-            <a:chOff x="38544" y="-47627"/>
-            <a:chExt cx="3322357" cy="3427905"/>
+          <a:xfrm rot="0">
+            <a:off x="9332765" y="3323799"/>
+            <a:ext cx="2502937" cy="2570929"/>
+            <a:chOff x="0" y="0"/>
+            <a:chExt cx="3337249" cy="3427905"/>
           </a:xfrm>
         </p:grpSpPr>
         <p:grpSp>
           <p:nvGrpSpPr>
-            <p:cNvPr id="26" name="Group 26"/>
+            <p:cNvPr name="Group 26" id="26"/>
             <p:cNvGrpSpPr/>
             <p:nvPr/>
           </p:nvGrpSpPr>
           <p:grpSpPr>
-            <a:xfrm>
-              <a:off x="38544" y="-47627"/>
-              <a:ext cx="3322357" cy="3427905"/>
-              <a:chOff x="73340" y="-88226"/>
-              <a:chExt cx="6321664" cy="6350000"/>
+            <a:xfrm rot="0">
+              <a:off x="0" y="0"/>
+              <a:ext cx="3337249" cy="3427905"/>
+              <a:chOff x="0" y="0"/>
+              <a:chExt cx="6350000" cy="6350000"/>
             </a:xfrm>
           </p:grpSpPr>
           <p:sp>
             <p:nvSpPr>
-              <p:cNvPr id="27" name="Freeform 27"/>
+              <p:cNvPr name="Freeform 27" id="27"/>
               <p:cNvSpPr/>
               <p:nvPr/>
             </p:nvSpPr>
             <p:spPr>
               <a:xfrm>
-                <a:off x="73340" y="-88226"/>
-                <a:ext cx="6321664" cy="6350000"/>
+                <a:off x="14167" y="0"/>
+                <a:ext cx="6321665" cy="6350000"/>
               </a:xfrm>
               <a:custGeom>
                 <a:avLst/>
                 <a:gdLst/>
                 <a:ahLst/>
                 <a:cxnLst/>
-                <a:rect l="l" t="t" r="r" b="b"/>
+                <a:rect r="r" b="b" t="t" l="l"/>
                 <a:pathLst>
-                  <a:path w="6321665" h="6350000">
+                  <a:path h="6350000" w="6321665">
                     <a:moveTo>
                       <a:pt x="3160833" y="0"/>
                     </a:moveTo>
@@ -4866,12 +5010,12 @@
         </p:grpSp>
         <p:sp>
           <p:nvSpPr>
-            <p:cNvPr id="28" name="TextBox 28"/>
-            <p:cNvSpPr txBox="1"/>
+            <p:cNvPr name="TextBox 28" id="28"/>
+            <p:cNvSpPr txBox="true"/>
             <p:nvPr/>
           </p:nvSpPr>
           <p:spPr>
-            <a:xfrm>
+            <a:xfrm rot="0">
               <a:off x="477404" y="1020243"/>
               <a:ext cx="2382441" cy="1292169"/>
             </a:xfrm>
@@ -4880,7 +5024,7 @@
             </a:prstGeom>
           </p:spPr>
           <p:txBody>
-            <a:bodyPr lIns="0" tIns="0" rIns="0" bIns="0" rtlCol="0" anchor="t">
+            <a:bodyPr anchor="t" rtlCol="false" tIns="0" lIns="0" bIns="0" rIns="0">
               <a:spAutoFit/>
             </a:bodyPr>
             <a:lstStyle/>
@@ -4891,7 +5035,7 @@
                 </a:lnSpc>
               </a:pPr>
               <a:r>
-                <a:rPr lang="en-US" sz="5946" dirty="0">
+                <a:rPr lang="en-US" sz="5946">
                   <a:solidFill>
                     <a:srgbClr val="272727"/>
                   </a:solidFill>
@@ -4912,14 +5056,13 @@
 </file>
 
 <file path=ppt/slides/slide5.xml><?xml version="1.0" encoding="utf-8"?>
-<p:sld xmlns:a="http://schemas.openxmlformats.org/drawingml/2006/main" xmlns:r="http://schemas.openxmlformats.org/officeDocument/2006/relationships" xmlns:p="http://schemas.openxmlformats.org/presentationml/2006/main">
+<p:sld xmlns:p="http://schemas.openxmlformats.org/presentationml/2006/main" xmlns:a="http://schemas.openxmlformats.org/drawingml/2006/main" xmlns:r="http://schemas.openxmlformats.org/officeDocument/2006/relationships">
   <p:cSld>
     <p:bg>
       <p:bgPr>
         <a:solidFill>
           <a:srgbClr val="272727"/>
         </a:solidFill>
-        <a:effectLst/>
       </p:bgPr>
     </p:bg>
     <p:spTree>
@@ -4938,9 +5081,9 @@
       </p:grpSpPr>
       <p:pic>
         <p:nvPicPr>
-          <p:cNvPr id="2" name="Picture 2"/>
+          <p:cNvPr name="Picture 2" id="2"/>
           <p:cNvPicPr>
-            <a:picLocks noChangeAspect="1"/>
+            <a:picLocks noChangeAspect="true"/>
           </p:cNvPicPr>
           <p:nvPr/>
         </p:nvPicPr>
@@ -4956,13 +5099,13 @@
               </a:ext>
             </a:extLst>
           </a:blip>
-          <a:srcRect/>
+          <a:srcRect l="0" t="0" r="0" b="0"/>
           <a:stretch>
             <a:fillRect/>
           </a:stretch>
         </p:blipFill>
         <p:spPr>
-          <a:xfrm>
+          <a:xfrm flipH="false" flipV="false" rot="0">
             <a:off x="189703" y="-2286836"/>
             <a:ext cx="18383917" cy="7888372"/>
           </a:xfrm>
@@ -4973,12 +5116,12 @@
       </p:pic>
       <p:sp>
         <p:nvSpPr>
-          <p:cNvPr id="3" name="TextBox 3"/>
-          <p:cNvSpPr txBox="1"/>
+          <p:cNvPr name="TextBox 3" id="3"/>
+          <p:cNvSpPr txBox="true"/>
           <p:nvPr/>
         </p:nvSpPr>
         <p:spPr>
-          <a:xfrm>
+          <a:xfrm rot="0">
             <a:off x="1028700" y="895350"/>
             <a:ext cx="15318839" cy="1390650"/>
           </a:xfrm>
@@ -4987,7 +5130,7 @@
           </a:prstGeom>
         </p:spPr>
         <p:txBody>
-          <a:bodyPr lIns="0" tIns="0" rIns="0" bIns="0" rtlCol="0" anchor="t">
+          <a:bodyPr anchor="t" rtlCol="false" tIns="0" lIns="0" bIns="0" rIns="0">
             <a:spAutoFit/>
           </a:bodyPr>
           <a:lstStyle/>
@@ -4998,85 +5141,25 @@
               </a:lnSpc>
             </a:pPr>
             <a:r>
-              <a:rPr lang="en-US" sz="8250" dirty="0" err="1">
+              <a:rPr lang="en-US" sz="8250">
                 <a:solidFill>
                   <a:srgbClr val="FFFFFF"/>
                 </a:solidFill>
                 <a:latin typeface="Codec Pro ExtraBold"/>
               </a:rPr>
-              <a:t>Этапы</a:t>
-            </a:r>
-            <a:r>
-              <a:rPr lang="en-US" sz="8250" dirty="0">
-                <a:solidFill>
-                  <a:srgbClr val="FFFFFF"/>
-                </a:solidFill>
-                <a:latin typeface="Codec Pro ExtraBold"/>
-              </a:rPr>
-              <a:t> </a:t>
-            </a:r>
-            <a:r>
-              <a:rPr lang="en-US" sz="8250" dirty="0" err="1">
-                <a:solidFill>
-                  <a:srgbClr val="FFFFFF"/>
-                </a:solidFill>
-                <a:latin typeface="Codec Pro ExtraBold"/>
-              </a:rPr>
-              <a:t>работы</a:t>
-            </a:r>
-            <a:r>
-              <a:rPr lang="en-US" sz="8250" dirty="0">
-                <a:solidFill>
-                  <a:srgbClr val="FFFFFF"/>
-                </a:solidFill>
-                <a:latin typeface="Codec Pro ExtraBold"/>
-              </a:rPr>
-              <a:t>. </a:t>
-            </a:r>
-            <a:r>
-              <a:rPr lang="en-US" sz="8250" dirty="0" err="1">
-                <a:solidFill>
-                  <a:srgbClr val="FFFFFF"/>
-                </a:solidFill>
-                <a:latin typeface="Codec Pro ExtraBold"/>
-              </a:rPr>
-              <a:t>Сбор</a:t>
-            </a:r>
-            <a:r>
-              <a:rPr lang="en-US" sz="8250" dirty="0">
-                <a:solidFill>
-                  <a:srgbClr val="FFFFFF"/>
-                </a:solidFill>
-                <a:latin typeface="Codec Pro ExtraBold"/>
-              </a:rPr>
-              <a:t> </a:t>
-            </a:r>
-            <a:r>
-              <a:rPr lang="en-US" sz="8250" dirty="0" err="1">
-                <a:solidFill>
-                  <a:srgbClr val="FFFFFF"/>
-                </a:solidFill>
-                <a:latin typeface="Codec Pro ExtraBold"/>
-              </a:rPr>
-              <a:t>данных</a:t>
-            </a:r>
-            <a:endParaRPr lang="en-US" sz="8250" dirty="0">
-              <a:solidFill>
-                <a:srgbClr val="FFFFFF"/>
-              </a:solidFill>
-              <a:latin typeface="Codec Pro ExtraBold"/>
-            </a:endParaRPr>
+              <a:t>Этапы работы. Сбор данных</a:t>
+            </a:r>
           </a:p>
         </p:txBody>
       </p:sp>
       <p:grpSp>
         <p:nvGrpSpPr>
-          <p:cNvPr id="4" name="Group 4"/>
+          <p:cNvPr name="Group 4" id="4"/>
           <p:cNvGrpSpPr/>
           <p:nvPr/>
         </p:nvGrpSpPr>
         <p:grpSpPr>
-          <a:xfrm>
+          <a:xfrm rot="0">
             <a:off x="2921882" y="2585939"/>
             <a:ext cx="11532476" cy="7260659"/>
             <a:chOff x="0" y="0"/>
@@ -5085,12 +5168,12 @@
         </p:grpSpPr>
         <p:sp>
           <p:nvSpPr>
-            <p:cNvPr id="5" name="TextBox 5"/>
-            <p:cNvSpPr txBox="1"/>
+            <p:cNvPr name="TextBox 5" id="5"/>
+            <p:cNvSpPr txBox="true"/>
             <p:nvPr/>
           </p:nvSpPr>
           <p:spPr>
-            <a:xfrm>
+            <a:xfrm rot="0">
               <a:off x="13531310" y="3889664"/>
               <a:ext cx="1845324" cy="954724"/>
             </a:xfrm>
@@ -5099,7 +5182,7 @@
             </a:prstGeom>
           </p:spPr>
           <p:txBody>
-            <a:bodyPr lIns="0" tIns="0" rIns="0" bIns="0" rtlCol="0" anchor="t">
+            <a:bodyPr anchor="t" rtlCol="false" tIns="0" lIns="0" bIns="0" rIns="0">
               <a:spAutoFit/>
             </a:bodyPr>
             <a:lstStyle/>
@@ -5139,12 +5222,12 @@
         </p:sp>
         <p:sp>
           <p:nvSpPr>
-            <p:cNvPr id="6" name="TextBox 6"/>
-            <p:cNvSpPr txBox="1"/>
+            <p:cNvPr name="TextBox 6" id="6"/>
+            <p:cNvSpPr txBox="true"/>
             <p:nvPr/>
           </p:nvSpPr>
           <p:spPr>
-            <a:xfrm>
+            <a:xfrm rot="0">
               <a:off x="0" y="1400865"/>
               <a:ext cx="3635887" cy="954724"/>
             </a:xfrm>
@@ -5153,7 +5236,7 @@
             </a:prstGeom>
           </p:spPr>
           <p:txBody>
-            <a:bodyPr lIns="0" tIns="0" rIns="0" bIns="0" rtlCol="0" anchor="t">
+            <a:bodyPr anchor="t" rtlCol="false" tIns="0" lIns="0" bIns="0" rIns="0">
               <a:spAutoFit/>
             </a:bodyPr>
             <a:lstStyle/>
@@ -5193,12 +5276,12 @@
         </p:sp>
         <p:sp>
           <p:nvSpPr>
-            <p:cNvPr id="7" name="TextBox 7"/>
-            <p:cNvSpPr txBox="1"/>
+            <p:cNvPr name="TextBox 7" id="7"/>
+            <p:cNvSpPr txBox="true"/>
             <p:nvPr/>
           </p:nvSpPr>
           <p:spPr>
-            <a:xfrm>
+            <a:xfrm rot="0">
               <a:off x="1619594" y="8726154"/>
               <a:ext cx="4100518" cy="954724"/>
             </a:xfrm>
@@ -5207,7 +5290,7 @@
             </a:prstGeom>
           </p:spPr>
           <p:txBody>
-            <a:bodyPr lIns="0" tIns="0" rIns="0" bIns="0" rtlCol="0" anchor="t">
+            <a:bodyPr anchor="t" rtlCol="false" tIns="0" lIns="0" bIns="0" rIns="0">
               <a:spAutoFit/>
             </a:bodyPr>
             <a:lstStyle/>
@@ -5247,14 +5330,14 @@
         </p:sp>
         <p:grpSp>
           <p:nvGrpSpPr>
-            <p:cNvPr id="8" name="Group 8"/>
+            <p:cNvPr name="Group 8" id="8"/>
             <p:cNvGrpSpPr>
-              <a:grpSpLocks noChangeAspect="1"/>
+              <a:grpSpLocks noChangeAspect="true"/>
             </p:cNvGrpSpPr>
             <p:nvPr/>
           </p:nvGrpSpPr>
           <p:grpSpPr>
-            <a:xfrm>
+            <a:xfrm rot="0">
               <a:off x="3680114" y="0"/>
               <a:ext cx="9098845" cy="9098845"/>
               <a:chOff x="0" y="0"/>
@@ -5263,7 +5346,7 @@
           </p:grpSpPr>
           <p:sp>
             <p:nvSpPr>
-              <p:cNvPr id="9" name="Freeform 9"/>
+              <p:cNvPr name="Freeform 9" id="9"/>
               <p:cNvSpPr/>
               <p:nvPr/>
             </p:nvSpPr>
@@ -5277,9 +5360,9 @@
                 <a:gdLst/>
                 <a:ahLst/>
                 <a:cxnLst/>
-                <a:rect l="l" t="t" r="r" b="b"/>
+                <a:rect r="r" b="b" t="t" l="l"/>
                 <a:pathLst>
-                  <a:path w="1274028" h="2539915">
+                  <a:path h="2539915" w="1274028">
                     <a:moveTo>
                       <a:pt x="0" y="0"/>
                     </a:moveTo>
@@ -5320,7 +5403,7 @@
           </p:sp>
           <p:sp>
             <p:nvSpPr>
-              <p:cNvPr id="10" name="Freeform 10"/>
+              <p:cNvPr name="Freeform 10" id="10"/>
               <p:cNvSpPr/>
               <p:nvPr/>
             </p:nvSpPr>
@@ -5334,9 +5417,9 @@
                 <a:gdLst/>
                 <a:ahLst/>
                 <a:cxnLst/>
-                <a:rect l="l" t="t" r="r" b="b"/>
+                <a:rect r="r" b="b" t="t" l="l"/>
                 <a:pathLst>
-                  <a:path w="1208397" h="1009046">
+                  <a:path h="1009046" w="1208397">
                     <a:moveTo>
                       <a:pt x="1208397" y="977973"/>
                     </a:moveTo>
@@ -5364,7 +5447,7 @@
           </p:sp>
           <p:sp>
             <p:nvSpPr>
-              <p:cNvPr id="11" name="Freeform 11"/>
+              <p:cNvPr name="Freeform 11" id="11"/>
               <p:cNvSpPr/>
               <p:nvPr/>
             </p:nvSpPr>
@@ -5378,9 +5461,9 @@
                 <a:gdLst/>
                 <a:ahLst/>
                 <a:cxnLst/>
-                <a:rect l="l" t="t" r="r" b="b"/>
+                <a:rect r="r" b="b" t="t" l="l"/>
                 <a:pathLst>
-                  <a:path w="1326653" h="1905000">
+                  <a:path h="1905000" w="1326653">
                     <a:moveTo>
                       <a:pt x="226865" y="1905000"/>
                     </a:moveTo>
@@ -5418,7 +5501,7 @@
           </p:sp>
           <p:sp>
             <p:nvSpPr>
-              <p:cNvPr id="12" name="Freeform 12"/>
+              <p:cNvPr name="Freeform 12" id="12"/>
               <p:cNvSpPr/>
               <p:nvPr/>
             </p:nvSpPr>
@@ -5432,9 +5515,9 @@
                 <a:gdLst/>
                 <a:ahLst/>
                 <a:cxnLst/>
-                <a:rect l="l" t="t" r="r" b="b"/>
+                <a:rect r="r" b="b" t="t" l="l"/>
                 <a:pathLst>
-                  <a:path w="127" h="635000">
+                  <a:path h="635000" w="127">
                     <a:moveTo>
                       <a:pt x="0" y="0"/>
                     </a:moveTo>
@@ -5471,14 +5554,13 @@
 </file>
 
 <file path=ppt/slides/slide6.xml><?xml version="1.0" encoding="utf-8"?>
-<p:sld xmlns:a="http://schemas.openxmlformats.org/drawingml/2006/main" xmlns:r="http://schemas.openxmlformats.org/officeDocument/2006/relationships" xmlns:p="http://schemas.openxmlformats.org/presentationml/2006/main">
+<p:sld xmlns:p="http://schemas.openxmlformats.org/presentationml/2006/main" xmlns:a="http://schemas.openxmlformats.org/drawingml/2006/main" xmlns:r="http://schemas.openxmlformats.org/officeDocument/2006/relationships">
   <p:cSld>
     <p:bg>
       <p:bgPr>
         <a:solidFill>
           <a:srgbClr val="9B2C2C"/>
         </a:solidFill>
-        <a:effectLst/>
       </p:bgPr>
     </p:bg>
     <p:spTree>
@@ -5497,9 +5579,9 @@
       </p:grpSpPr>
       <p:pic>
         <p:nvPicPr>
-          <p:cNvPr id="2" name="Picture 2"/>
+          <p:cNvPr name="Picture 2" id="2"/>
           <p:cNvPicPr>
-            <a:picLocks noChangeAspect="1"/>
+            <a:picLocks noChangeAspect="true"/>
           </p:cNvPicPr>
           <p:nvPr/>
         </p:nvPicPr>
@@ -5515,13 +5597,13 @@
               </a:ext>
             </a:extLst>
           </a:blip>
-          <a:srcRect/>
+          <a:srcRect l="0" t="0" r="0" b="0"/>
           <a:stretch>
             <a:fillRect/>
           </a:stretch>
         </p:blipFill>
         <p:spPr>
-          <a:xfrm rot="2782074">
+          <a:xfrm flipH="false" flipV="false" rot="2782074">
             <a:off x="9774810" y="2861674"/>
             <a:ext cx="9465160" cy="9569555"/>
           </a:xfrm>
@@ -5532,13 +5614,13 @@
       </p:pic>
       <p:sp>
         <p:nvSpPr>
-          <p:cNvPr id="3" name="TextBox 3"/>
-          <p:cNvSpPr txBox="1"/>
+          <p:cNvPr name="TextBox 3" id="3"/>
+          <p:cNvSpPr txBox="true"/>
           <p:nvPr/>
         </p:nvSpPr>
         <p:spPr>
-          <a:xfrm>
-            <a:off x="1028700" y="1316254"/>
+          <a:xfrm rot="0">
+            <a:off x="1028700" y="1038225"/>
             <a:ext cx="13820662" cy="1266825"/>
           </a:xfrm>
           <a:prstGeom prst="rect">
@@ -5546,87 +5628,45 @@
           </a:prstGeom>
         </p:spPr>
         <p:txBody>
-          <a:bodyPr lIns="0" tIns="0" rIns="0" bIns="0" rtlCol="0" anchor="t">
+          <a:bodyPr anchor="t" rtlCol="false" tIns="0" lIns="0" bIns="0" rIns="0">
             <a:spAutoFit/>
           </a:bodyPr>
           <a:lstStyle/>
           <a:p>
             <a:pPr>
               <a:lnSpc>
-                <a:spcPts val="9900"/>
+                <a:spcPts val="10080"/>
               </a:lnSpc>
             </a:pPr>
             <a:r>
-              <a:rPr lang="en-US" sz="8250" dirty="0" err="1">
+              <a:rPr lang="en-US" sz="8400">
                 <a:solidFill>
                   <a:srgbClr val="FFFFFF"/>
                 </a:solidFill>
-                <a:latin typeface="Codec Pro ExtraBold"/>
+                <a:latin typeface="Montserrat"/>
               </a:rPr>
-              <a:t>Этапы</a:t>
-            </a:r>
-            <a:r>
-              <a:rPr lang="en-US" sz="8250" dirty="0">
-                <a:solidFill>
-                  <a:srgbClr val="FFFFFF"/>
-                </a:solidFill>
-                <a:latin typeface="Codec Pro ExtraBold"/>
-              </a:rPr>
-              <a:t> </a:t>
-            </a:r>
-            <a:r>
-              <a:rPr lang="en-US" sz="8250" dirty="0" err="1">
-                <a:solidFill>
-                  <a:srgbClr val="FFFFFF"/>
-                </a:solidFill>
-                <a:latin typeface="Codec Pro ExtraBold"/>
-              </a:rPr>
-              <a:t>работы</a:t>
-            </a:r>
-            <a:r>
-              <a:rPr lang="en-US" sz="8250" dirty="0">
-                <a:solidFill>
-                  <a:srgbClr val="FFFFFF"/>
-                </a:solidFill>
-                <a:latin typeface="Codec Pro ExtraBold"/>
-              </a:rPr>
-              <a:t>. </a:t>
-            </a:r>
-            <a:r>
-              <a:rPr lang="en-US" sz="8250" dirty="0" err="1">
-                <a:solidFill>
-                  <a:srgbClr val="FFFFFF"/>
-                </a:solidFill>
-                <a:latin typeface="Codec Pro ExtraBold"/>
-              </a:rPr>
-              <a:t>Парсер</a:t>
-            </a:r>
-            <a:endParaRPr lang="en-US" sz="8250" dirty="0">
-              <a:solidFill>
-                <a:srgbClr val="FFFFFF"/>
-              </a:solidFill>
-              <a:latin typeface="Codec Pro ExtraBold"/>
-            </a:endParaRPr>
-          </a:p>
-        </p:txBody>
-      </p:sp>
-      <p:sp>
-        <p:nvSpPr>
-          <p:cNvPr id="4" name="TextBox 4"/>
-          <p:cNvSpPr txBox="1"/>
+              <a:t>Этапы работы. Парсер</a:t>
+            </a:r>
+          </a:p>
+        </p:txBody>
+      </p:sp>
+      <p:sp>
+        <p:nvSpPr>
+          <p:cNvPr name="TextBox 4" id="4"/>
+          <p:cNvSpPr txBox="true"/>
           <p:nvPr/>
         </p:nvSpPr>
         <p:spPr>
-          <a:xfrm>
-            <a:off x="1199686" y="3184535"/>
-            <a:ext cx="13478690" cy="5305037"/>
+          <a:xfrm rot="0">
+            <a:off x="1028700" y="2619763"/>
+            <a:ext cx="13984198" cy="6638537"/>
           </a:xfrm>
           <a:prstGeom prst="rect">
             <a:avLst/>
           </a:prstGeom>
         </p:spPr>
         <p:txBody>
-          <a:bodyPr lIns="0" tIns="0" rIns="0" bIns="0" rtlCol="0" anchor="t">
+          <a:bodyPr anchor="t" rtlCol="false" tIns="0" lIns="0" bIns="0" rIns="0">
             <a:spAutoFit/>
           </a:bodyPr>
           <a:lstStyle/>
@@ -5656,7 +5696,7 @@
             </a:r>
           </a:p>
           <a:p>
-            <a:pPr marL="812923" lvl="1" indent="-406462" algn="ctr">
+            <a:pPr marL="812923" indent="-406462" lvl="1">
               <a:lnSpc>
                 <a:spcPts val="5271"/>
               </a:lnSpc>
@@ -5670,11 +5710,11 @@
                 </a:solidFill>
                 <a:latin typeface="Open Sans Light"/>
               </a:rPr>
-              <a:t>Код большиства веб-страниц уникален, поэтому сложно создать универсальный алгоритм</a:t>
-            </a:r>
-          </a:p>
-          <a:p>
-            <a:pPr marL="812923" lvl="1" indent="-406462" algn="ctr">
+              <a:t>Код большиства веб-страниц уникален, поэтому сложно создать универсальный алгоритм, получающий данные со всех сайтов</a:t>
+            </a:r>
+          </a:p>
+          <a:p>
+            <a:pPr marL="812923" indent="-406462" lvl="1">
               <a:lnSpc>
                 <a:spcPts val="5271"/>
               </a:lnSpc>
@@ -5702,13 +5742,22 @@
                 <a:solidFill>
                   <a:srgbClr val="FFFFFF"/>
                 </a:solidFill>
+                <a:latin typeface="Open Sans Light"/>
+              </a:rPr>
+              <a:t>   </a:t>
+            </a:r>
+            <a:r>
+              <a:rPr lang="en-US" sz="3765">
+                <a:solidFill>
+                  <a:srgbClr val="FFFFFF"/>
+                </a:solidFill>
                 <a:latin typeface="Open Sans Light Bold Italics"/>
               </a:rPr>
               <a:t>Решения: </a:t>
             </a:r>
           </a:p>
           <a:p>
-            <a:pPr marL="812923" lvl="1" indent="-406462" algn="ctr">
+            <a:pPr marL="812923" indent="-406462" lvl="1">
               <a:lnSpc>
                 <a:spcPts val="5271"/>
               </a:lnSpc>
@@ -5722,11 +5771,20 @@
                 </a:solidFill>
                 <a:latin typeface="Open Sans Light"/>
               </a:rPr>
-              <a:t>Комбинация двух библиотек языка программирования Python BeautifulSoup4 и Requests</a:t>
-            </a:r>
-          </a:p>
-          <a:p>
-            <a:pPr marL="812923" lvl="1" indent="-406462" algn="ctr">
+              <a:t>К</a:t>
+            </a:r>
+            <a:r>
+              <a:rPr lang="en-US" sz="3765">
+                <a:solidFill>
+                  <a:srgbClr val="FFFFFF"/>
+                </a:solidFill>
+                <a:latin typeface="Open Sans Light"/>
+              </a:rPr>
+              <a:t>омбинация двух библиотек языка программирования Python BeautifulSoup4 и Requests</a:t>
+            </a:r>
+          </a:p>
+          <a:p>
+            <a:pPr marL="812923" indent="-406462" lvl="1">
               <a:lnSpc>
                 <a:spcPts val="5271"/>
               </a:lnSpc>
@@ -5740,7 +5798,7 @@
                 </a:solidFill>
                 <a:latin typeface="Open Sans Light"/>
               </a:rPr>
-              <a:t>Сравнение возможностей разных библиотек</a:t>
+              <a:t>Сравнение вычислительных возможностей разных библиотек</a:t>
             </a:r>
           </a:p>
         </p:txBody>
@@ -5754,14 +5812,13 @@
 </file>
 
 <file path=ppt/slides/slide7.xml><?xml version="1.0" encoding="utf-8"?>
-<p:sld xmlns:a="http://schemas.openxmlformats.org/drawingml/2006/main" xmlns:r="http://schemas.openxmlformats.org/officeDocument/2006/relationships" xmlns:p="http://schemas.openxmlformats.org/presentationml/2006/main">
+<p:sld xmlns:p="http://schemas.openxmlformats.org/presentationml/2006/main" xmlns:a="http://schemas.openxmlformats.org/drawingml/2006/main" xmlns:r="http://schemas.openxmlformats.org/officeDocument/2006/relationships">
   <p:cSld>
     <p:bg>
       <p:bgPr>
         <a:solidFill>
           <a:srgbClr val="272727"/>
         </a:solidFill>
-        <a:effectLst/>
       </p:bgPr>
     </p:bg>
     <p:spTree>
@@ -5780,9 +5837,9 @@
       </p:grpSpPr>
       <p:pic>
         <p:nvPicPr>
-          <p:cNvPr id="2" name="Picture 2"/>
+          <p:cNvPr name="Picture 2" id="2"/>
           <p:cNvPicPr>
-            <a:picLocks noChangeAspect="1"/>
+            <a:picLocks noChangeAspect="true"/>
           </p:cNvPicPr>
           <p:nvPr/>
         </p:nvPicPr>
@@ -5798,13 +5855,13 @@
               </a:ext>
             </a:extLst>
           </a:blip>
-          <a:srcRect r="9728"/>
+          <a:srcRect l="0" t="0" r="9728" b="0"/>
           <a:stretch>
             <a:fillRect/>
           </a:stretch>
         </p:blipFill>
         <p:spPr>
-          <a:xfrm>
+          <a:xfrm flipH="false" flipV="false" rot="0">
             <a:off x="-1261686" y="-1307480"/>
             <a:ext cx="19549686" cy="21656557"/>
           </a:xfrm>
@@ -5815,12 +5872,12 @@
       </p:pic>
       <p:sp>
         <p:nvSpPr>
-          <p:cNvPr id="3" name="TextBox 3"/>
-          <p:cNvSpPr txBox="1"/>
+          <p:cNvPr name="TextBox 3" id="3"/>
+          <p:cNvSpPr txBox="true"/>
           <p:nvPr/>
         </p:nvSpPr>
         <p:spPr>
-          <a:xfrm>
+          <a:xfrm rot="0">
             <a:off x="1062905" y="1094102"/>
             <a:ext cx="16446636" cy="1120417"/>
           </a:xfrm>
@@ -5829,7 +5886,7 @@
           </a:prstGeom>
         </p:spPr>
         <p:txBody>
-          <a:bodyPr lIns="0" tIns="0" rIns="0" bIns="0" rtlCol="0" anchor="t">
+          <a:bodyPr anchor="t" rtlCol="false" tIns="0" lIns="0" bIns="0" rIns="0">
             <a:spAutoFit/>
           </a:bodyPr>
           <a:lstStyle/>
@@ -5853,12 +5910,12 @@
       </p:sp>
       <p:sp>
         <p:nvSpPr>
-          <p:cNvPr id="4" name="TextBox 4"/>
-          <p:cNvSpPr txBox="1"/>
+          <p:cNvPr name="TextBox 4" id="4"/>
+          <p:cNvSpPr txBox="true"/>
           <p:nvPr/>
         </p:nvSpPr>
         <p:spPr>
-          <a:xfrm>
+          <a:xfrm rot="0">
             <a:off x="1542064" y="3011662"/>
             <a:ext cx="12367691" cy="5477104"/>
           </a:xfrm>
@@ -5867,12 +5924,12 @@
           </a:prstGeom>
         </p:spPr>
         <p:txBody>
-          <a:bodyPr lIns="0" tIns="0" rIns="0" bIns="0" rtlCol="0" anchor="t">
+          <a:bodyPr anchor="t" rtlCol="false" tIns="0" lIns="0" bIns="0" rIns="0">
             <a:spAutoFit/>
           </a:bodyPr>
           <a:lstStyle/>
           <a:p>
-            <a:pPr marL="840981" lvl="1" indent="-420490">
+            <a:pPr marL="840981" indent="-420490" lvl="1">
               <a:lnSpc>
                 <a:spcPts val="5453"/>
               </a:lnSpc>
@@ -5890,7 +5947,7 @@
             </a:r>
           </a:p>
           <a:p>
-            <a:pPr marL="840981" lvl="1" indent="-420490">
+            <a:pPr marL="840981" indent="-420490" lvl="1">
               <a:lnSpc>
                 <a:spcPts val="5453"/>
               </a:lnSpc>
@@ -5908,7 +5965,7 @@
             </a:r>
           </a:p>
           <a:p>
-            <a:pPr marL="840981" lvl="1" indent="-420490">
+            <a:pPr marL="840981" indent="-420490" lvl="1">
               <a:lnSpc>
                 <a:spcPts val="5453"/>
               </a:lnSpc>
@@ -5926,7 +5983,7 @@
             </a:r>
           </a:p>
           <a:p>
-            <a:pPr marL="840981" lvl="1" indent="-420490">
+            <a:pPr marL="840981" indent="-420490" lvl="1">
               <a:lnSpc>
                 <a:spcPts val="5453"/>
               </a:lnSpc>
@@ -5944,7 +6001,7 @@
             </a:r>
           </a:p>
           <a:p>
-            <a:pPr marL="840981" lvl="1" indent="-420490">
+            <a:pPr marL="840981" indent="-420490" lvl="1">
               <a:lnSpc>
                 <a:spcPts val="5453"/>
               </a:lnSpc>
@@ -5962,7 +6019,7 @@
             </a:r>
           </a:p>
           <a:p>
-            <a:pPr marL="840981" lvl="1" indent="-420490">
+            <a:pPr marL="840981" indent="-420490" lvl="1">
               <a:lnSpc>
                 <a:spcPts val="5453"/>
               </a:lnSpc>
@@ -5980,7 +6037,7 @@
             </a:r>
           </a:p>
           <a:p>
-            <a:pPr marL="840981" lvl="1" indent="-420490">
+            <a:pPr marL="840981" indent="-420490" lvl="1">
               <a:lnSpc>
                 <a:spcPts val="5453"/>
               </a:lnSpc>
@@ -6003,12 +6060,6 @@
                 <a:spcPts val="5453"/>
               </a:lnSpc>
             </a:pPr>
-            <a:endParaRPr lang="en-US" sz="3895">
-              <a:solidFill>
-                <a:srgbClr val="FFFFFF"/>
-              </a:solidFill>
-              <a:latin typeface="Open Sans Light"/>
-            </a:endParaRPr>
           </a:p>
         </p:txBody>
       </p:sp>
@@ -6021,14 +6072,13 @@
 </file>
 
 <file path=ppt/slides/slide8.xml><?xml version="1.0" encoding="utf-8"?>
-<p:sld xmlns:a="http://schemas.openxmlformats.org/drawingml/2006/main" xmlns:r="http://schemas.openxmlformats.org/officeDocument/2006/relationships" xmlns:p="http://schemas.openxmlformats.org/presentationml/2006/main">
+<p:sld xmlns:p="http://schemas.openxmlformats.org/presentationml/2006/main" xmlns:a="http://schemas.openxmlformats.org/drawingml/2006/main" xmlns:r="http://schemas.openxmlformats.org/officeDocument/2006/relationships">
   <p:cSld>
     <p:bg>
       <p:bgPr>
         <a:solidFill>
           <a:srgbClr val="D6D6D6"/>
         </a:solidFill>
-        <a:effectLst/>
       </p:bgPr>
     </p:bg>
     <p:spTree>
@@ -6047,9 +6097,9 @@
       </p:grpSpPr>
       <p:pic>
         <p:nvPicPr>
-          <p:cNvPr id="2" name="Picture 2"/>
+          <p:cNvPr name="Picture 2" id="2"/>
           <p:cNvPicPr>
-            <a:picLocks noChangeAspect="1"/>
+            <a:picLocks noChangeAspect="true"/>
           </p:cNvPicPr>
           <p:nvPr/>
         </p:nvPicPr>
@@ -6065,13 +6115,13 @@
               </a:ext>
             </a:extLst>
           </a:blip>
-          <a:srcRect/>
+          <a:srcRect l="0" t="0" r="0" b="0"/>
           <a:stretch>
             <a:fillRect/>
           </a:stretch>
         </p:blipFill>
         <p:spPr>
-          <a:xfrm>
+          <a:xfrm flipH="false" flipV="false" rot="0">
             <a:off x="-1122714" y="-2306669"/>
             <a:ext cx="22460076" cy="17028821"/>
           </a:xfrm>
@@ -6082,12 +6132,12 @@
       </p:pic>
       <p:sp>
         <p:nvSpPr>
-          <p:cNvPr id="3" name="TextBox 3"/>
-          <p:cNvSpPr txBox="1"/>
+          <p:cNvPr name="TextBox 3" id="3"/>
+          <p:cNvSpPr txBox="true"/>
           <p:nvPr/>
         </p:nvSpPr>
         <p:spPr>
-          <a:xfrm>
+          <a:xfrm rot="0">
             <a:off x="1435957" y="3860995"/>
             <a:ext cx="12884576" cy="2952750"/>
           </a:xfrm>
@@ -6096,12 +6146,12 @@
           </a:prstGeom>
         </p:spPr>
         <p:txBody>
-          <a:bodyPr lIns="0" tIns="0" rIns="0" bIns="0" rtlCol="0" anchor="t">
+          <a:bodyPr anchor="t" rtlCol="false" tIns="0" lIns="0" bIns="0" rIns="0">
             <a:spAutoFit/>
           </a:bodyPr>
           <a:lstStyle/>
           <a:p>
-            <a:pPr marL="971550" lvl="1" indent="-485775">
+            <a:pPr marL="971550" indent="-485775" lvl="1">
               <a:lnSpc>
                 <a:spcPts val="5850"/>
               </a:lnSpc>
@@ -6119,7 +6169,7 @@
             </a:r>
           </a:p>
           <a:p>
-            <a:pPr marL="971550" lvl="1" indent="-485775">
+            <a:pPr marL="971550" indent="-485775" lvl="1">
               <a:lnSpc>
                 <a:spcPts val="5850"/>
               </a:lnSpc>
@@ -6137,7 +6187,7 @@
             </a:r>
           </a:p>
           <a:p>
-            <a:pPr marL="971550" lvl="1" indent="-485775">
+            <a:pPr marL="971550" indent="-485775" lvl="1">
               <a:lnSpc>
                 <a:spcPts val="5850"/>
               </a:lnSpc>
@@ -6158,75 +6208,39 @@
       </p:sp>
       <p:sp>
         <p:nvSpPr>
-          <p:cNvPr id="4" name="TextBox 4"/>
-          <p:cNvSpPr txBox="1"/>
+          <p:cNvPr name="TextBox 4" id="4"/>
+          <p:cNvSpPr txBox="true"/>
           <p:nvPr/>
         </p:nvSpPr>
         <p:spPr>
-          <a:xfrm>
-            <a:off x="838200" y="1257300"/>
-            <a:ext cx="17144999" cy="1219821"/>
+          <a:xfrm rot="0">
+            <a:off x="1435957" y="1363131"/>
+            <a:ext cx="14509979" cy="1152525"/>
           </a:xfrm>
           <a:prstGeom prst="rect">
             <a:avLst/>
           </a:prstGeom>
         </p:spPr>
         <p:txBody>
-          <a:bodyPr wrap="square" lIns="0" tIns="0" rIns="0" bIns="0" rtlCol="0" anchor="t">
+          <a:bodyPr anchor="t" rtlCol="false" tIns="0" lIns="0" bIns="0" rIns="0">
             <a:spAutoFit/>
           </a:bodyPr>
           <a:lstStyle/>
           <a:p>
             <a:pPr>
               <a:lnSpc>
-                <a:spcPts val="9900"/>
+                <a:spcPts val="8399"/>
               </a:lnSpc>
             </a:pPr>
             <a:r>
-              <a:rPr lang="en-US" sz="7800" dirty="0" err="1">
+              <a:rPr lang="en-US" sz="6999">
+                <a:solidFill>
+                  <a:srgbClr val="272727"/>
+                </a:solidFill>
                 <a:latin typeface="Codec Pro ExtraBold"/>
               </a:rPr>
-              <a:t>Этапы</a:t>
-            </a:r>
-            <a:r>
-              <a:rPr lang="en-US" sz="7800" dirty="0">
-                <a:latin typeface="Codec Pro ExtraBold"/>
-              </a:rPr>
-              <a:t> </a:t>
-            </a:r>
-            <a:r>
-              <a:rPr lang="en-US" sz="7800" dirty="0" err="1">
-                <a:latin typeface="Codec Pro ExtraBold"/>
-              </a:rPr>
-              <a:t>работы</a:t>
-            </a:r>
-            <a:r>
-              <a:rPr lang="en-US" sz="7800" dirty="0">
-                <a:latin typeface="Codec Pro ExtraBold"/>
-              </a:rPr>
-              <a:t>. </a:t>
-            </a:r>
-            <a:r>
-              <a:rPr lang="en-US" sz="7800" dirty="0" err="1">
-                <a:latin typeface="Codec Pro ExtraBold"/>
-              </a:rPr>
-              <a:t>Финальные</a:t>
-            </a:r>
-            <a:r>
-              <a:rPr lang="en-US" sz="7800" dirty="0">
-                <a:latin typeface="Codec Pro ExtraBold"/>
-              </a:rPr>
-              <a:t> </a:t>
-            </a:r>
-            <a:r>
-              <a:rPr lang="en-US" sz="7800" dirty="0" err="1">
-                <a:latin typeface="Codec Pro ExtraBold"/>
-              </a:rPr>
-              <a:t>шаги</a:t>
-            </a:r>
-            <a:endParaRPr lang="en-US" sz="7800" dirty="0">
-              <a:latin typeface="Codec Pro ExtraBold"/>
-            </a:endParaRPr>
+              <a:t>Этапы работы. Финальные шаги</a:t>
+            </a:r>
           </a:p>
         </p:txBody>
       </p:sp>
@@ -6239,14 +6253,13 @@
 </file>
 
 <file path=ppt/slides/slide9.xml><?xml version="1.0" encoding="utf-8"?>
-<p:sld xmlns:a="http://schemas.openxmlformats.org/drawingml/2006/main" xmlns:r="http://schemas.openxmlformats.org/officeDocument/2006/relationships" xmlns:p="http://schemas.openxmlformats.org/presentationml/2006/main">
+<p:sld xmlns:p="http://schemas.openxmlformats.org/presentationml/2006/main" xmlns:a="http://schemas.openxmlformats.org/drawingml/2006/main">
   <p:cSld>
     <p:bg>
       <p:bgPr>
         <a:solidFill>
-          <a:srgbClr val="9B2C2C"/>
+          <a:srgbClr val="272727"/>
         </a:solidFill>
-        <a:effectLst/>
       </p:bgPr>
     </p:bg>
     <p:spTree>
@@ -6263,64 +6276,345 @@
           <a:chExt cx="0" cy="0"/>
         </a:xfrm>
       </p:grpSpPr>
-      <p:pic>
-        <p:nvPicPr>
-          <p:cNvPr id="2" name="Picture 2"/>
-          <p:cNvPicPr>
-            <a:picLocks noChangeAspect="1"/>
-          </p:cNvPicPr>
+      <p:sp>
+        <p:nvSpPr>
+          <p:cNvPr name="TextBox 2" id="2"/>
+          <p:cNvSpPr txBox="true"/>
           <p:nvPr/>
-        </p:nvPicPr>
-        <p:blipFill>
-          <a:blip r:embed="rId2">
-            <a:extLst>
-              <a:ext uri="{28A0092B-C50C-407E-A947-70E740481C1C}">
-                <a14:useLocalDpi xmlns:a14="http://schemas.microsoft.com/office/drawing/2010/main" val="0"/>
-              </a:ext>
-              <a:ext uri="{96DAC541-7B7A-43D3-8B79-37D633B846F1}">
-                <asvg:svgBlip xmlns:asvg="http://schemas.microsoft.com/office/drawing/2016/SVG/main" r:embed="rId3"/>
-              </a:ext>
-            </a:extLst>
-          </a:blip>
-          <a:srcRect/>
-          <a:stretch>
-            <a:fillRect/>
-          </a:stretch>
-        </p:blipFill>
+        </p:nvSpPr>
         <p:spPr>
-          <a:xfrm>
-            <a:off x="11812510" y="4130618"/>
-            <a:ext cx="10024456" cy="7928433"/>
+          <a:xfrm rot="0">
+            <a:off x="7856897" y="2589088"/>
+            <a:ext cx="1302145" cy="1063145"/>
           </a:xfrm>
           <a:prstGeom prst="rect">
             <a:avLst/>
           </a:prstGeom>
         </p:spPr>
-      </p:pic>
-      <p:sp>
-        <p:nvSpPr>
-          <p:cNvPr id="3" name="TextBox 3"/>
-          <p:cNvSpPr txBox="1"/>
+        <p:txBody>
+          <a:bodyPr anchor="t" rtlCol="false" tIns="0" lIns="0" bIns="0" rIns="0">
+            <a:spAutoFit/>
+          </a:bodyPr>
+          <a:lstStyle/>
+          <a:p>
+            <a:pPr>
+              <a:lnSpc>
+                <a:spcPts val="7834"/>
+              </a:lnSpc>
+            </a:pPr>
+            <a:r>
+              <a:rPr lang="en-US" sz="6026">
+                <a:solidFill>
+                  <a:srgbClr val="FFFFFF"/>
+                </a:solidFill>
+                <a:latin typeface="Codec Pro ExtraBold"/>
+              </a:rPr>
+              <a:t>1</a:t>
+            </a:r>
+          </a:p>
+        </p:txBody>
+      </p:sp>
+      <p:sp>
+        <p:nvSpPr>
+          <p:cNvPr name="TextBox 3" id="3"/>
+          <p:cNvSpPr txBox="true"/>
           <p:nvPr/>
         </p:nvSpPr>
         <p:spPr>
-          <a:xfrm>
-            <a:off x="2614711" y="3609975"/>
-            <a:ext cx="13802910" cy="1533525"/>
+          <a:xfrm rot="0">
+            <a:off x="7856897" y="4504235"/>
+            <a:ext cx="1302145" cy="1063144"/>
           </a:xfrm>
           <a:prstGeom prst="rect">
             <a:avLst/>
           </a:prstGeom>
         </p:spPr>
         <p:txBody>
-          <a:bodyPr lIns="0" tIns="0" rIns="0" bIns="0" rtlCol="0" anchor="t">
+          <a:bodyPr anchor="t" rtlCol="false" tIns="0" lIns="0" bIns="0" rIns="0">
             <a:spAutoFit/>
           </a:bodyPr>
           <a:lstStyle/>
           <a:p>
+            <a:pPr>
+              <a:lnSpc>
+                <a:spcPts val="7834"/>
+              </a:lnSpc>
+            </a:pPr>
+            <a:r>
+              <a:rPr lang="en-US" sz="6026">
+                <a:solidFill>
+                  <a:srgbClr val="FFFFFF"/>
+                </a:solidFill>
+                <a:latin typeface="Codec Pro ExtraBold"/>
+              </a:rPr>
+              <a:t>2</a:t>
+            </a:r>
+          </a:p>
+        </p:txBody>
+      </p:sp>
+      <p:sp>
+        <p:nvSpPr>
+          <p:cNvPr name="TextBox 4" id="4"/>
+          <p:cNvSpPr txBox="true"/>
+          <p:nvPr/>
+        </p:nvSpPr>
+        <p:spPr>
+          <a:xfrm rot="0">
+            <a:off x="7938553" y="6457361"/>
+            <a:ext cx="1302145" cy="1063144"/>
+          </a:xfrm>
+          <a:prstGeom prst="rect">
+            <a:avLst/>
+          </a:prstGeom>
+        </p:spPr>
+        <p:txBody>
+          <a:bodyPr anchor="t" rtlCol="false" tIns="0" lIns="0" bIns="0" rIns="0">
+            <a:spAutoFit/>
+          </a:bodyPr>
+          <a:lstStyle/>
+          <a:p>
+            <a:pPr>
+              <a:lnSpc>
+                <a:spcPts val="7834"/>
+              </a:lnSpc>
+            </a:pPr>
+            <a:r>
+              <a:rPr lang="en-US" sz="6026">
+                <a:solidFill>
+                  <a:srgbClr val="FFFFFF"/>
+                </a:solidFill>
+                <a:latin typeface="Codec Pro ExtraBold"/>
+              </a:rPr>
+              <a:t>3</a:t>
+            </a:r>
+          </a:p>
+        </p:txBody>
+      </p:sp>
+      <p:grpSp>
+        <p:nvGrpSpPr>
+          <p:cNvPr name="Group 5" id="5"/>
+          <p:cNvGrpSpPr/>
+          <p:nvPr/>
+        </p:nvGrpSpPr>
+        <p:grpSpPr>
+          <a:xfrm rot="0">
+            <a:off x="7856897" y="2741488"/>
+            <a:ext cx="9244291" cy="5651782"/>
+            <a:chOff x="0" y="0"/>
+            <a:chExt cx="12325722" cy="7535710"/>
+          </a:xfrm>
+        </p:grpSpPr>
+        <p:sp>
+          <p:nvSpPr>
+            <p:cNvPr name="TextBox 6" id="6"/>
+            <p:cNvSpPr txBox="true"/>
+            <p:nvPr/>
+          </p:nvSpPr>
+          <p:spPr>
+            <a:xfrm rot="0">
+              <a:off x="1856597" y="-38100"/>
+              <a:ext cx="10469125" cy="1376792"/>
+            </a:xfrm>
+            <a:prstGeom prst="rect">
+              <a:avLst/>
+            </a:prstGeom>
+          </p:spPr>
+          <p:txBody>
+            <a:bodyPr anchor="t" rtlCol="false" tIns="0" lIns="0" bIns="0" rIns="0">
+              <a:spAutoFit/>
+            </a:bodyPr>
+            <a:lstStyle/>
+            <a:p>
+              <a:pPr algn="just">
+                <a:lnSpc>
+                  <a:spcPts val="4110"/>
+                </a:lnSpc>
+              </a:pPr>
+              <a:r>
+                <a:rPr lang="en-US" sz="3162">
+                  <a:solidFill>
+                    <a:srgbClr val="FFFFFF"/>
+                  </a:solidFill>
+                  <a:latin typeface="Montserrat"/>
+                </a:rPr>
+                <a:t>Добавление новых признаков, характеризующих новость</a:t>
+              </a:r>
+            </a:p>
+          </p:txBody>
+        </p:sp>
+        <p:sp>
+          <p:nvSpPr>
+            <p:cNvPr name="TextBox 7" id="7"/>
+            <p:cNvSpPr txBox="true"/>
+            <p:nvPr/>
+          </p:nvSpPr>
+          <p:spPr>
+            <a:xfrm rot="0">
+              <a:off x="1856597" y="4904147"/>
+              <a:ext cx="10469125" cy="2072911"/>
+            </a:xfrm>
+            <a:prstGeom prst="rect">
+              <a:avLst/>
+            </a:prstGeom>
+          </p:spPr>
+          <p:txBody>
+            <a:bodyPr anchor="t" rtlCol="false" tIns="0" lIns="0" bIns="0" rIns="0">
+              <a:spAutoFit/>
+            </a:bodyPr>
+            <a:lstStyle/>
+            <a:p>
+              <a:pPr>
+                <a:lnSpc>
+                  <a:spcPts val="4110"/>
+                </a:lnSpc>
+              </a:pPr>
+              <a:r>
+                <a:rPr lang="en-US" sz="3162">
+                  <a:solidFill>
+                    <a:srgbClr val="FFFFFF"/>
+                  </a:solidFill>
+                  <a:latin typeface="Montserrat"/>
+                </a:rPr>
+                <a:t>Добавление возможности проверки новостей альтернативных источников</a:t>
+              </a:r>
+            </a:p>
+          </p:txBody>
+        </p:sp>
+        <p:sp>
+          <p:nvSpPr>
+            <p:cNvPr name="TextBox 8" id="8"/>
+            <p:cNvSpPr txBox="true"/>
+            <p:nvPr/>
+          </p:nvSpPr>
+          <p:spPr>
+            <a:xfrm rot="0">
+              <a:off x="1856597" y="2461906"/>
+              <a:ext cx="10469125" cy="1376792"/>
+            </a:xfrm>
+            <a:prstGeom prst="rect">
+              <a:avLst/>
+            </a:prstGeom>
+          </p:spPr>
+          <p:txBody>
+            <a:bodyPr anchor="t" rtlCol="false" tIns="0" lIns="0" bIns="0" rIns="0">
+              <a:spAutoFit/>
+            </a:bodyPr>
+            <a:lstStyle/>
+            <a:p>
+              <a:pPr>
+                <a:lnSpc>
+                  <a:spcPts val="4110"/>
+                </a:lnSpc>
+              </a:pPr>
+              <a:r>
+                <a:rPr lang="en-US" sz="3162">
+                  <a:solidFill>
+                    <a:srgbClr val="FFFFFF"/>
+                  </a:solidFill>
+                  <a:latin typeface="Montserrat"/>
+                </a:rPr>
+                <a:t>Расширение под рускоязычный сегмент</a:t>
+              </a:r>
+            </a:p>
+          </p:txBody>
+        </p:sp>
+        <p:sp>
+          <p:nvSpPr>
+            <p:cNvPr name="AutoShape 9" id="9"/>
+            <p:cNvSpPr/>
+            <p:nvPr/>
+          </p:nvSpPr>
+          <p:spPr>
+            <a:xfrm rot="0">
+              <a:off x="0" y="1941355"/>
+              <a:ext cx="12325722" cy="0"/>
+            </a:xfrm>
+            <a:prstGeom prst="line">
+              <a:avLst/>
+            </a:prstGeom>
+            <a:ln cap="flat" w="13754">
+              <a:solidFill>
+                <a:srgbClr val="FFFFFF"/>
+              </a:solidFill>
+              <a:prstDash val="solid"/>
+              <a:headEnd type="none" len="sm" w="sm"/>
+              <a:tailEnd type="none" len="sm" w="sm"/>
+            </a:ln>
+          </p:spPr>
+        </p:sp>
+        <p:sp>
+          <p:nvSpPr>
+            <p:cNvPr name="AutoShape 10" id="10"/>
+            <p:cNvSpPr/>
+            <p:nvPr/>
+          </p:nvSpPr>
+          <p:spPr>
+            <a:xfrm rot="0">
+              <a:off x="0" y="4383595"/>
+              <a:ext cx="12325722" cy="0"/>
+            </a:xfrm>
+            <a:prstGeom prst="line">
+              <a:avLst/>
+            </a:prstGeom>
+            <a:ln cap="flat" w="13754">
+              <a:solidFill>
+                <a:srgbClr val="FFFFFF"/>
+              </a:solidFill>
+              <a:prstDash val="solid"/>
+              <a:headEnd type="none" len="sm" w="sm"/>
+              <a:tailEnd type="none" len="sm" w="sm"/>
+            </a:ln>
+          </p:spPr>
+        </p:sp>
+        <p:sp>
+          <p:nvSpPr>
+            <p:cNvPr name="AutoShape 11" id="11"/>
+            <p:cNvSpPr/>
+            <p:nvPr/>
+          </p:nvSpPr>
+          <p:spPr>
+            <a:xfrm rot="0">
+              <a:off x="0" y="7521956"/>
+              <a:ext cx="12325722" cy="0"/>
+            </a:xfrm>
+            <a:prstGeom prst="line">
+              <a:avLst/>
+            </a:prstGeom>
+            <a:ln cap="flat" w="13754">
+              <a:solidFill>
+                <a:srgbClr val="FFFFFF"/>
+              </a:solidFill>
+              <a:prstDash val="solid"/>
+              <a:headEnd type="none" len="sm" w="sm"/>
+              <a:tailEnd type="none" len="sm" w="sm"/>
+            </a:ln>
+          </p:spPr>
+        </p:sp>
+      </p:grpSp>
+      <p:sp>
+        <p:nvSpPr>
+          <p:cNvPr name="TextBox 12" id="12"/>
+          <p:cNvSpPr txBox="true"/>
+          <p:nvPr/>
+        </p:nvSpPr>
+        <p:spPr>
+          <a:xfrm rot="0">
+            <a:off x="624294" y="3527520"/>
+            <a:ext cx="7561183" cy="2886075"/>
+          </a:xfrm>
+          <a:prstGeom prst="rect">
+            <a:avLst/>
+          </a:prstGeom>
+        </p:spPr>
+        <p:txBody>
+          <a:bodyPr anchor="t" rtlCol="false" tIns="0" lIns="0" bIns="0" rIns="0">
+            <a:spAutoFit/>
+          </a:bodyPr>
+          <a:lstStyle/>
+          <a:p>
             <a:pPr algn="ctr">
               <a:lnSpc>
-                <a:spcPts val="12599"/>
+                <a:spcPts val="10800"/>
               </a:lnSpc>
             </a:pPr>
             <a:r>
@@ -6328,9 +6622,9 @@
                 <a:solidFill>
                   <a:srgbClr val="FFFFFF"/>
                 </a:solidFill>
-                <a:latin typeface="Open Sans Extra Bold"/>
+                <a:latin typeface="Codec Pro ExtraBold"/>
               </a:rPr>
-              <a:t>Спасибо за внимание!</a:t>
+              <a:t>Планы на будущее</a:t>
             </a:r>
           </a:p>
         </p:txBody>
